--- a/Athlyze_Final_PPT.pptx
+++ b/Athlyze_Final_PPT.pptx
@@ -5,7 +5,7 @@
     <p:sldMasterId id="2147483648" r:id="rId1"/>
   </p:sldMasterIdLst>
   <p:notesMasterIdLst>
-    <p:notesMasterId r:id="rId22"/>
+    <p:notesMasterId r:id="rId24"/>
   </p:notesMasterIdLst>
   <p:sldIdLst>
     <p:sldId id="256" r:id="rId2"/>
@@ -14,41 +14,43 @@
     <p:sldId id="260" r:id="rId5"/>
     <p:sldId id="257" r:id="rId6"/>
     <p:sldId id="275" r:id="rId7"/>
-    <p:sldId id="261" r:id="rId8"/>
-    <p:sldId id="262" r:id="rId9"/>
-    <p:sldId id="263" r:id="rId10"/>
-    <p:sldId id="264" r:id="rId11"/>
-    <p:sldId id="265" r:id="rId12"/>
-    <p:sldId id="266" r:id="rId13"/>
-    <p:sldId id="267" r:id="rId14"/>
-    <p:sldId id="268" r:id="rId15"/>
-    <p:sldId id="269" r:id="rId16"/>
-    <p:sldId id="270" r:id="rId17"/>
-    <p:sldId id="271" r:id="rId18"/>
-    <p:sldId id="272" r:id="rId19"/>
-    <p:sldId id="273" r:id="rId20"/>
-    <p:sldId id="274" r:id="rId21"/>
+    <p:sldId id="276" r:id="rId8"/>
+    <p:sldId id="261" r:id="rId9"/>
+    <p:sldId id="262" r:id="rId10"/>
+    <p:sldId id="263" r:id="rId11"/>
+    <p:sldId id="264" r:id="rId12"/>
+    <p:sldId id="265" r:id="rId13"/>
+    <p:sldId id="266" r:id="rId14"/>
+    <p:sldId id="267" r:id="rId15"/>
+    <p:sldId id="268" r:id="rId16"/>
+    <p:sldId id="269" r:id="rId17"/>
+    <p:sldId id="270" r:id="rId18"/>
+    <p:sldId id="271" r:id="rId19"/>
+    <p:sldId id="272" r:id="rId20"/>
+    <p:sldId id="273" r:id="rId21"/>
+    <p:sldId id="278" r:id="rId22"/>
+    <p:sldId id="274" r:id="rId23"/>
   </p:sldIdLst>
   <p:sldSz cx="18288000" cy="10287000"/>
   <p:notesSz cx="6858000" cy="9144000"/>
   <p:embeddedFontLst>
     <p:embeddedFont>
       <p:font typeface="Arimo" panose="020B0604020202020204" pitchFamily="34" charset="0"/>
-      <p:regular r:id="rId23"/>
+      <p:regular r:id="rId25"/>
     </p:embeddedFont>
     <p:embeddedFont>
       <p:font typeface="Arimo Bold" panose="020B0704020202020204" pitchFamily="34" charset="0"/>
-      <p:regular r:id="rId24"/>
-      <p:bold r:id="rId25"/>
+      <p:regular r:id="rId26"/>
+      <p:bold r:id="rId27"/>
     </p:embeddedFont>
     <p:embeddedFont>
       <p:font typeface="FS Albert Arabic" panose="020B0503040502020804" pitchFamily="34" charset="-78"/>
-      <p:regular r:id="rId26"/>
+      <p:regular r:id="rId28"/>
     </p:embeddedFont>
     <p:embeddedFont>
       <p:font typeface="FS Albert Arabic Bold" panose="020B0803040502020804" pitchFamily="34" charset="-78"/>
-      <p:regular r:id="rId27"/>
-      <p:bold r:id="rId28"/>
+      <p:regular r:id="rId29"/>
+      <p:bold r:id="rId30"/>
     </p:embeddedFont>
   </p:embeddedFontLst>
   <p:defaultTextStyle>
@@ -247,7 +249,7 @@
           <a:p>
             <a:fld id="{B7268E1E-0E44-426D-905E-8AD9B19D2182}" type="datetimeFigureOut">
               <a:rPr lang="cs-CZ" smtClean="0"/>
-              <a:t>20.04.2025</a:t>
+              <a:t>21.04.2025</a:t>
             </a:fld>
             <a:endParaRPr lang="cs-CZ"/>
           </a:p>
@@ -2759,8 +2761,8 @@
         </p:nvSpPr>
         <p:spPr>
           <a:xfrm>
-            <a:off x="2857500" y="512763"/>
-            <a:ext cx="3429000" cy="2566987"/>
+            <a:off x="2290763" y="512763"/>
+            <a:ext cx="4562475" cy="2566987"/>
           </a:xfrm>
           <a:prstGeom prst="rect">
             <a:avLst/>
@@ -3096,6 +3098,268 @@
 </file>
 
 <file path=ppt/notesSlides/notesSlide20.xml><?xml version="1.0" encoding="utf-8"?>
+<p:notes xmlns:a="http://schemas.openxmlformats.org/drawingml/2006/main" xmlns:r="http://schemas.openxmlformats.org/officeDocument/2006/relationships" xmlns:p="http://schemas.openxmlformats.org/presentationml/2006/main">
+  <p:cSld>
+    <p:spTree>
+      <p:nvGrpSpPr>
+        <p:cNvPr id="1" name="">
+          <a:extLst>
+            <a:ext uri="{FF2B5EF4-FFF2-40B4-BE49-F238E27FC236}">
+              <a16:creationId xmlns:a16="http://schemas.microsoft.com/office/drawing/2014/main" id="{0811B4D2-A937-B0FD-598D-125A8E5E077D}"/>
+            </a:ext>
+          </a:extLst>
+        </p:cNvPr>
+        <p:cNvGrpSpPr/>
+        <p:nvPr/>
+      </p:nvGrpSpPr>
+      <p:grpSpPr>
+        <a:xfrm>
+          <a:off x="0" y="0"/>
+          <a:ext cx="0" cy="0"/>
+          <a:chOff x="0" y="0"/>
+          <a:chExt cx="0" cy="0"/>
+        </a:xfrm>
+      </p:grpSpPr>
+      <p:sp>
+        <p:nvSpPr>
+          <p:cNvPr id="2" name="Header Placeholder 1">
+            <a:extLst>
+              <a:ext uri="{FF2B5EF4-FFF2-40B4-BE49-F238E27FC236}">
+                <a16:creationId xmlns:a16="http://schemas.microsoft.com/office/drawing/2014/main" id="{4873463D-0591-2129-FB76-1C6BB9AA2705}"/>
+              </a:ext>
+            </a:extLst>
+          </p:cNvPr>
+          <p:cNvSpPr>
+            <a:spLocks noGrp="1"/>
+          </p:cNvSpPr>
+          <p:nvPr>
+            <p:ph type="hdr" sz="quarter"/>
+          </p:nvPr>
+        </p:nvSpPr>
+        <p:spPr>
+          <a:xfrm>
+            <a:off x="0" y="0"/>
+            <a:ext cx="3962400" cy="342900"/>
+          </a:xfrm>
+          <a:prstGeom prst="rect">
+            <a:avLst/>
+          </a:prstGeom>
+        </p:spPr>
+        <p:txBody>
+          <a:bodyPr vert="horz" lIns="91440" tIns="45720" rIns="91440" bIns="45720" rtlCol="0"/>
+          <a:lstStyle>
+            <a:lvl1pPr algn="l">
+              <a:defRPr sz="1200"/>
+            </a:lvl1pPr>
+          </a:lstStyle>
+          <a:p>
+            <a:endParaRPr/>
+          </a:p>
+        </p:txBody>
+      </p:sp>
+      <p:sp>
+        <p:nvSpPr>
+          <p:cNvPr id="3" name="Date Placeholder 2">
+            <a:extLst>
+              <a:ext uri="{FF2B5EF4-FFF2-40B4-BE49-F238E27FC236}">
+                <a16:creationId xmlns:a16="http://schemas.microsoft.com/office/drawing/2014/main" id="{FC707538-026E-A84B-BA69-10144A91D6A5}"/>
+              </a:ext>
+            </a:extLst>
+          </p:cNvPr>
+          <p:cNvSpPr>
+            <a:spLocks noGrp="1"/>
+          </p:cNvSpPr>
+          <p:nvPr>
+            <p:ph type="dt" idx="1"/>
+          </p:nvPr>
+        </p:nvSpPr>
+        <p:spPr>
+          <a:xfrm>
+            <a:off x="5180013" y="0"/>
+            <a:ext cx="3962400" cy="342900"/>
+          </a:xfrm>
+          <a:prstGeom prst="rect">
+            <a:avLst/>
+          </a:prstGeom>
+        </p:spPr>
+        <p:txBody>
+          <a:bodyPr vert="horz" lIns="91440" tIns="45720" rIns="91440" bIns="45720" rtlCol="0"/>
+          <a:lstStyle>
+            <a:lvl1pPr algn="r">
+              <a:defRPr sz="1200"/>
+            </a:lvl1pPr>
+          </a:lstStyle>
+          <a:p>
+            <a:r>
+              <a:rPr lang="cs-CZ"/>
+              <a:t>1.7.2013</a:t>
+            </a:r>
+          </a:p>
+        </p:txBody>
+      </p:sp>
+      <p:sp>
+        <p:nvSpPr>
+          <p:cNvPr id="4" name="Slide Image Placeholder 3">
+            <a:extLst>
+              <a:ext uri="{FF2B5EF4-FFF2-40B4-BE49-F238E27FC236}">
+                <a16:creationId xmlns:a16="http://schemas.microsoft.com/office/drawing/2014/main" id="{3A1E3D43-9222-C1F9-0C0B-68C4E617DE5B}"/>
+              </a:ext>
+            </a:extLst>
+          </p:cNvPr>
+          <p:cNvSpPr>
+            <a:spLocks noGrp="1" noRot="1" noChangeAspect="1"/>
+          </p:cNvSpPr>
+          <p:nvPr>
+            <p:ph type="sldImg" idx="2"/>
+          </p:nvPr>
+        </p:nvSpPr>
+        <p:spPr>
+          <a:xfrm>
+            <a:off x="2290763" y="512763"/>
+            <a:ext cx="4562475" cy="2566987"/>
+          </a:xfrm>
+          <a:prstGeom prst="rect">
+            <a:avLst/>
+          </a:prstGeom>
+          <a:noFill/>
+          <a:ln w="12700">
+            <a:solidFill>
+              <a:prstClr val="black"/>
+            </a:solidFill>
+          </a:ln>
+        </p:spPr>
+        <p:txBody>
+          <a:bodyPr vert="horz" lIns="91440" tIns="45720" rIns="91440" bIns="45720" rtlCol="0" anchor="ctr"/>
+          <a:lstStyle/>
+          <a:p>
+            <a:endParaRPr/>
+          </a:p>
+        </p:txBody>
+      </p:sp>
+      <p:sp>
+        <p:nvSpPr>
+          <p:cNvPr id="5" name="Notes Placeholder 4">
+            <a:extLst>
+              <a:ext uri="{FF2B5EF4-FFF2-40B4-BE49-F238E27FC236}">
+                <a16:creationId xmlns:a16="http://schemas.microsoft.com/office/drawing/2014/main" id="{609A8AC2-9FA4-3F36-CFBF-E6AB4192553F}"/>
+              </a:ext>
+            </a:extLst>
+          </p:cNvPr>
+          <p:cNvSpPr>
+            <a:spLocks noGrp="1"/>
+          </p:cNvSpPr>
+          <p:nvPr>
+            <p:ph type="body" sz="quarter" idx="3"/>
+          </p:nvPr>
+        </p:nvSpPr>
+        <p:spPr>
+          <a:xfrm>
+            <a:off x="914400" y="3251200"/>
+            <a:ext cx="7315200" cy="3081338"/>
+          </a:xfrm>
+          <a:prstGeom prst="rect">
+            <a:avLst/>
+          </a:prstGeom>
+        </p:spPr>
+        <p:txBody>
+          <a:bodyPr vert="horz" lIns="91440" tIns="45720" rIns="91440" bIns="45720" rtlCol="0"/>
+          <a:lstStyle/>
+          <a:p>
+            <a:endParaRPr lang="en-US"/>
+          </a:p>
+        </p:txBody>
+      </p:sp>
+      <p:sp>
+        <p:nvSpPr>
+          <p:cNvPr id="6" name="Footer Placeholder 5">
+            <a:extLst>
+              <a:ext uri="{FF2B5EF4-FFF2-40B4-BE49-F238E27FC236}">
+                <a16:creationId xmlns:a16="http://schemas.microsoft.com/office/drawing/2014/main" id="{C0C7B7A2-F4CB-9311-A406-48B338DDB59C}"/>
+              </a:ext>
+            </a:extLst>
+          </p:cNvPr>
+          <p:cNvSpPr>
+            <a:spLocks noGrp="1"/>
+          </p:cNvSpPr>
+          <p:nvPr>
+            <p:ph type="ftr" sz="quarter" idx="4"/>
+          </p:nvPr>
+        </p:nvSpPr>
+        <p:spPr>
+          <a:xfrm>
+            <a:off x="0" y="6502400"/>
+            <a:ext cx="3962400" cy="341313"/>
+          </a:xfrm>
+          <a:prstGeom prst="rect">
+            <a:avLst/>
+          </a:prstGeom>
+        </p:spPr>
+        <p:txBody>
+          <a:bodyPr vert="horz" lIns="91440" tIns="45720" rIns="91440" bIns="45720" rtlCol="0" anchor="b"/>
+          <a:lstStyle>
+            <a:lvl1pPr algn="l">
+              <a:defRPr sz="1200"/>
+            </a:lvl1pPr>
+          </a:lstStyle>
+          <a:p>
+            <a:endParaRPr/>
+          </a:p>
+        </p:txBody>
+      </p:sp>
+      <p:sp>
+        <p:nvSpPr>
+          <p:cNvPr id="7" name="Slide Number Placeholder 6">
+            <a:extLst>
+              <a:ext uri="{FF2B5EF4-FFF2-40B4-BE49-F238E27FC236}">
+                <a16:creationId xmlns:a16="http://schemas.microsoft.com/office/drawing/2014/main" id="{CF8EABCD-BA1D-3917-FE66-C8218AC8E708}"/>
+              </a:ext>
+            </a:extLst>
+          </p:cNvPr>
+          <p:cNvSpPr>
+            <a:spLocks noGrp="1"/>
+          </p:cNvSpPr>
+          <p:nvPr>
+            <p:ph type="sldNum" sz="quarter" idx="5"/>
+          </p:nvPr>
+        </p:nvSpPr>
+        <p:spPr>
+          <a:xfrm>
+            <a:off x="5180013" y="6502400"/>
+            <a:ext cx="3962400" cy="341313"/>
+          </a:xfrm>
+          <a:prstGeom prst="rect">
+            <a:avLst/>
+          </a:prstGeom>
+        </p:spPr>
+        <p:txBody>
+          <a:bodyPr vert="horz" lIns="91440" tIns="45720" rIns="91440" bIns="45720" rtlCol="0" anchor="b"/>
+          <a:lstStyle>
+            <a:lvl1pPr algn="r">
+              <a:defRPr sz="1200"/>
+            </a:lvl1pPr>
+          </a:lstStyle>
+          <a:p>
+            <a:r>
+              <a:rPr lang="cs-CZ"/>
+              <a:t>‹#›</a:t>
+            </a:r>
+          </a:p>
+        </p:txBody>
+      </p:sp>
+    </p:spTree>
+    <p:extLst>
+      <p:ext uri="{BB962C8B-B14F-4D97-AF65-F5344CB8AC3E}">
+        <p14:creationId xmlns:p14="http://schemas.microsoft.com/office/powerpoint/2010/main" val="4129426252"/>
+      </p:ext>
+    </p:extLst>
+  </p:cSld>
+  <p:clrMapOvr>
+    <a:masterClrMapping/>
+  </p:clrMapOvr>
+</p:notes>
+</file>
+
+<file path=ppt/notesSlides/notesSlide21.xml><?xml version="1.0" encoding="utf-8"?>
 <p:notes xmlns:a="http://schemas.openxmlformats.org/drawingml/2006/main" xmlns:r="http://schemas.openxmlformats.org/officeDocument/2006/relationships" xmlns:p="http://schemas.openxmlformats.org/presentationml/2006/main">
   <p:cSld>
     <p:spTree>
@@ -5042,7 +5306,7 @@
             <a:fld id="{1D8BD707-D9CF-40AE-B4C6-C98DA3205C09}" type="datetimeFigureOut">
               <a:rPr lang="en-US" smtClean="0"/>
               <a:pPr/>
-              <a:t>4/20/25</a:t>
+              <a:t>4/21/25</a:t>
             </a:fld>
             <a:endParaRPr lang="en-US"/>
           </a:p>
@@ -5207,7 +5471,7 @@
             <a:fld id="{1D8BD707-D9CF-40AE-B4C6-C98DA3205C09}" type="datetimeFigureOut">
               <a:rPr lang="en-US" smtClean="0"/>
               <a:pPr/>
-              <a:t>4/20/25</a:t>
+              <a:t>4/21/25</a:t>
             </a:fld>
             <a:endParaRPr lang="en-US"/>
           </a:p>
@@ -5382,7 +5646,7 @@
             <a:fld id="{1D8BD707-D9CF-40AE-B4C6-C98DA3205C09}" type="datetimeFigureOut">
               <a:rPr lang="en-US" smtClean="0"/>
               <a:pPr/>
-              <a:t>4/20/25</a:t>
+              <a:t>4/21/25</a:t>
             </a:fld>
             <a:endParaRPr lang="en-US"/>
           </a:p>
@@ -5547,7 +5811,7 @@
             <a:fld id="{1D8BD707-D9CF-40AE-B4C6-C98DA3205C09}" type="datetimeFigureOut">
               <a:rPr lang="en-US" smtClean="0"/>
               <a:pPr/>
-              <a:t>4/20/25</a:t>
+              <a:t>4/21/25</a:t>
             </a:fld>
             <a:endParaRPr lang="en-US"/>
           </a:p>
@@ -5789,7 +6053,7 @@
             <a:fld id="{1D8BD707-D9CF-40AE-B4C6-C98DA3205C09}" type="datetimeFigureOut">
               <a:rPr lang="en-US" smtClean="0"/>
               <a:pPr/>
-              <a:t>4/20/25</a:t>
+              <a:t>4/21/25</a:t>
             </a:fld>
             <a:endParaRPr lang="en-US"/>
           </a:p>
@@ -6071,7 +6335,7 @@
             <a:fld id="{1D8BD707-D9CF-40AE-B4C6-C98DA3205C09}" type="datetimeFigureOut">
               <a:rPr lang="en-US" smtClean="0"/>
               <a:pPr/>
-              <a:t>4/20/25</a:t>
+              <a:t>4/21/25</a:t>
             </a:fld>
             <a:endParaRPr lang="en-US"/>
           </a:p>
@@ -6487,7 +6751,7 @@
             <a:fld id="{1D8BD707-D9CF-40AE-B4C6-C98DA3205C09}" type="datetimeFigureOut">
               <a:rPr lang="en-US" smtClean="0"/>
               <a:pPr/>
-              <a:t>4/20/25</a:t>
+              <a:t>4/21/25</a:t>
             </a:fld>
             <a:endParaRPr lang="en-US"/>
           </a:p>
@@ -6601,7 +6865,7 @@
             <a:fld id="{1D8BD707-D9CF-40AE-B4C6-C98DA3205C09}" type="datetimeFigureOut">
               <a:rPr lang="en-US" smtClean="0"/>
               <a:pPr/>
-              <a:t>4/20/25</a:t>
+              <a:t>4/21/25</a:t>
             </a:fld>
             <a:endParaRPr lang="en-US"/>
           </a:p>
@@ -6693,7 +6957,7 @@
             <a:fld id="{1D8BD707-D9CF-40AE-B4C6-C98DA3205C09}" type="datetimeFigureOut">
               <a:rPr lang="en-US" smtClean="0"/>
               <a:pPr/>
-              <a:t>4/20/25</a:t>
+              <a:t>4/21/25</a:t>
             </a:fld>
             <a:endParaRPr lang="en-US"/>
           </a:p>
@@ -6965,7 +7229,7 @@
             <a:fld id="{1D8BD707-D9CF-40AE-B4C6-C98DA3205C09}" type="datetimeFigureOut">
               <a:rPr lang="en-US" smtClean="0"/>
               <a:pPr/>
-              <a:t>4/20/25</a:t>
+              <a:t>4/21/25</a:t>
             </a:fld>
             <a:endParaRPr lang="en-US"/>
           </a:p>
@@ -7214,7 +7478,7 @@
             <a:fld id="{1D8BD707-D9CF-40AE-B4C6-C98DA3205C09}" type="datetimeFigureOut">
               <a:rPr lang="en-US" smtClean="0"/>
               <a:pPr/>
-              <a:t>4/20/25</a:t>
+              <a:t>4/21/25</a:t>
             </a:fld>
             <a:endParaRPr lang="en-US"/>
           </a:p>
@@ -7422,7 +7686,7 @@
             <a:fld id="{1D8BD707-D9CF-40AE-B4C6-C98DA3205C09}" type="datetimeFigureOut">
               <a:rPr lang="en-US" smtClean="0"/>
               <a:pPr/>
-              <a:t>4/20/25</a:t>
+              <a:t>4/21/25</a:t>
             </a:fld>
             <a:endParaRPr lang="en-US"/>
           </a:p>
@@ -8203,6 +8467,432 @@
 </file>
 
 <file path=ppt/slides/slide10.xml><?xml version="1.0" encoding="utf-8"?>
+<p:sld xmlns:a="http://schemas.openxmlformats.org/drawingml/2006/main" xmlns:r="http://schemas.openxmlformats.org/officeDocument/2006/relationships" xmlns:p="http://schemas.openxmlformats.org/presentationml/2006/main">
+  <p:cSld>
+    <p:bg>
+      <p:bgPr>
+        <a:solidFill>
+          <a:srgbClr val="091060"/>
+        </a:solidFill>
+        <a:effectLst/>
+      </p:bgPr>
+    </p:bg>
+    <p:spTree>
+      <p:nvGrpSpPr>
+        <p:cNvPr id="1" name=""/>
+        <p:cNvGrpSpPr/>
+        <p:nvPr/>
+      </p:nvGrpSpPr>
+      <p:grpSpPr>
+        <a:xfrm>
+          <a:off x="0" y="0"/>
+          <a:ext cx="0" cy="0"/>
+          <a:chOff x="0" y="0"/>
+          <a:chExt cx="0" cy="0"/>
+        </a:xfrm>
+      </p:grpSpPr>
+      <p:sp>
+        <p:nvSpPr>
+          <p:cNvPr id="2" name="Freeform 2"/>
+          <p:cNvSpPr/>
+          <p:nvPr/>
+        </p:nvSpPr>
+        <p:spPr>
+          <a:xfrm>
+            <a:off x="-9525" y="-9525"/>
+            <a:ext cx="18307050" cy="10306050"/>
+          </a:xfrm>
+          <a:custGeom>
+            <a:avLst/>
+            <a:gdLst/>
+            <a:ahLst/>
+            <a:cxnLst/>
+            <a:rect l="l" t="t" r="r" b="b"/>
+            <a:pathLst>
+              <a:path w="18307050" h="10306050">
+                <a:moveTo>
+                  <a:pt x="0" y="0"/>
+                </a:moveTo>
+                <a:lnTo>
+                  <a:pt x="18307050" y="0"/>
+                </a:lnTo>
+                <a:lnTo>
+                  <a:pt x="18307050" y="10306050"/>
+                </a:lnTo>
+                <a:lnTo>
+                  <a:pt x="0" y="10306050"/>
+                </a:lnTo>
+                <a:lnTo>
+                  <a:pt x="0" y="0"/>
+                </a:lnTo>
+                <a:close/>
+              </a:path>
+            </a:pathLst>
+          </a:custGeom>
+          <a:blipFill>
+            <a:blip r:embed="rId3"/>
+            <a:stretch>
+              <a:fillRect t="-45188" r="-45305"/>
+            </a:stretch>
+          </a:blipFill>
+        </p:spPr>
+        <p:txBody>
+          <a:bodyPr/>
+          <a:lstStyle/>
+          <a:p>
+            <a:endParaRPr lang="en-US"/>
+          </a:p>
+        </p:txBody>
+      </p:sp>
+      <p:grpSp>
+        <p:nvGrpSpPr>
+          <p:cNvPr id="3" name="Group 3"/>
+          <p:cNvGrpSpPr/>
+          <p:nvPr/>
+        </p:nvGrpSpPr>
+        <p:grpSpPr>
+          <a:xfrm>
+            <a:off x="1426450" y="7170400"/>
+            <a:ext cx="15435600" cy="2037600"/>
+            <a:chOff x="0" y="0"/>
+            <a:chExt cx="20580800" cy="2716800"/>
+          </a:xfrm>
+        </p:grpSpPr>
+        <p:sp>
+          <p:nvSpPr>
+            <p:cNvPr id="4" name="Freeform 4"/>
+            <p:cNvSpPr/>
+            <p:nvPr/>
+          </p:nvSpPr>
+          <p:spPr>
+            <a:xfrm>
+              <a:off x="0" y="0"/>
+              <a:ext cx="20580800" cy="2716800"/>
+            </a:xfrm>
+            <a:custGeom>
+              <a:avLst/>
+              <a:gdLst/>
+              <a:ahLst/>
+              <a:cxnLst/>
+              <a:rect l="l" t="t" r="r" b="b"/>
+              <a:pathLst>
+                <a:path w="20580800" h="2716800">
+                  <a:moveTo>
+                    <a:pt x="0" y="0"/>
+                  </a:moveTo>
+                  <a:lnTo>
+                    <a:pt x="20580800" y="0"/>
+                  </a:lnTo>
+                  <a:lnTo>
+                    <a:pt x="20580800" y="2716800"/>
+                  </a:lnTo>
+                  <a:lnTo>
+                    <a:pt x="0" y="2716800"/>
+                  </a:lnTo>
+                  <a:close/>
+                </a:path>
+              </a:pathLst>
+            </a:custGeom>
+            <a:solidFill>
+              <a:srgbClr val="000000">
+                <a:alpha val="0"/>
+              </a:srgbClr>
+            </a:solidFill>
+          </p:spPr>
+          <p:txBody>
+            <a:bodyPr/>
+            <a:lstStyle/>
+            <a:p>
+              <a:endParaRPr lang="en-US"/>
+            </a:p>
+          </p:txBody>
+        </p:sp>
+        <p:sp>
+          <p:nvSpPr>
+            <p:cNvPr id="5" name="TextBox 5"/>
+            <p:cNvSpPr txBox="1"/>
+            <p:nvPr/>
+          </p:nvSpPr>
+          <p:spPr>
+            <a:xfrm>
+              <a:off x="0" y="-38100"/>
+              <a:ext cx="20580800" cy="2754900"/>
+            </a:xfrm>
+            <a:prstGeom prst="rect">
+              <a:avLst/>
+            </a:prstGeom>
+          </p:spPr>
+          <p:txBody>
+            <a:bodyPr lIns="0" tIns="0" rIns="0" bIns="0" rtlCol="0" anchor="t"/>
+            <a:lstStyle/>
+            <a:p>
+              <a:pPr algn="r">
+                <a:lnSpc>
+                  <a:spcPts val="9600"/>
+                </a:lnSpc>
+              </a:pPr>
+              <a:r>
+                <a:rPr lang="en-US" sz="8000">
+                  <a:solidFill>
+                    <a:srgbClr val="FFFFFF"/>
+                  </a:solidFill>
+                  <a:latin typeface="Arimo"/>
+                  <a:ea typeface="Arimo"/>
+                  <a:cs typeface="Arimo"/>
+                  <a:sym typeface="Arimo"/>
+                </a:rPr>
+                <a:t>Data Flow &amp; Chunking</a:t>
+              </a:r>
+            </a:p>
+          </p:txBody>
+        </p:sp>
+      </p:grpSp>
+      <p:grpSp>
+        <p:nvGrpSpPr>
+          <p:cNvPr id="6" name="Group 6"/>
+          <p:cNvGrpSpPr/>
+          <p:nvPr/>
+        </p:nvGrpSpPr>
+        <p:grpSpPr>
+          <a:xfrm>
+            <a:off x="1426450" y="999450"/>
+            <a:ext cx="2535000" cy="1625898"/>
+            <a:chOff x="0" y="0"/>
+            <a:chExt cx="3380000" cy="2167864"/>
+          </a:xfrm>
+        </p:grpSpPr>
+        <p:sp>
+          <p:nvSpPr>
+            <p:cNvPr id="7" name="Freeform 7"/>
+            <p:cNvSpPr/>
+            <p:nvPr/>
+          </p:nvSpPr>
+          <p:spPr>
+            <a:xfrm>
+              <a:off x="0" y="0"/>
+              <a:ext cx="3380000" cy="2167864"/>
+            </a:xfrm>
+            <a:custGeom>
+              <a:avLst/>
+              <a:gdLst/>
+              <a:ahLst/>
+              <a:cxnLst/>
+              <a:rect l="l" t="t" r="r" b="b"/>
+              <a:pathLst>
+                <a:path w="3380000" h="2167864">
+                  <a:moveTo>
+                    <a:pt x="0" y="0"/>
+                  </a:moveTo>
+                  <a:lnTo>
+                    <a:pt x="3380000" y="0"/>
+                  </a:lnTo>
+                  <a:lnTo>
+                    <a:pt x="3380000" y="2167864"/>
+                  </a:lnTo>
+                  <a:lnTo>
+                    <a:pt x="0" y="2167864"/>
+                  </a:lnTo>
+                  <a:close/>
+                </a:path>
+              </a:pathLst>
+            </a:custGeom>
+            <a:solidFill>
+              <a:srgbClr val="000000">
+                <a:alpha val="0"/>
+              </a:srgbClr>
+            </a:solidFill>
+          </p:spPr>
+          <p:txBody>
+            <a:bodyPr/>
+            <a:lstStyle/>
+            <a:p>
+              <a:endParaRPr lang="en-US"/>
+            </a:p>
+          </p:txBody>
+        </p:sp>
+        <p:sp>
+          <p:nvSpPr>
+            <p:cNvPr id="8" name="TextBox 8"/>
+            <p:cNvSpPr txBox="1"/>
+            <p:nvPr/>
+          </p:nvSpPr>
+          <p:spPr>
+            <a:xfrm>
+              <a:off x="0" y="-38100"/>
+              <a:ext cx="3380000" cy="2205964"/>
+            </a:xfrm>
+            <a:prstGeom prst="rect">
+              <a:avLst/>
+            </a:prstGeom>
+          </p:spPr>
+          <p:txBody>
+            <a:bodyPr lIns="0" tIns="0" rIns="0" bIns="0" rtlCol="0" anchor="b"/>
+            <a:lstStyle/>
+            <a:p>
+              <a:pPr algn="l">
+                <a:lnSpc>
+                  <a:spcPts val="9600"/>
+                </a:lnSpc>
+              </a:pPr>
+              <a:r>
+                <a:rPr lang="en-US" sz="8000">
+                  <a:solidFill>
+                    <a:srgbClr val="FFFFFF"/>
+                  </a:solidFill>
+                  <a:latin typeface="Arimo"/>
+                  <a:ea typeface="Arimo"/>
+                  <a:cs typeface="Arimo"/>
+                  <a:sym typeface="Arimo"/>
+                </a:rPr>
+                <a:t>03</a:t>
+              </a:r>
+            </a:p>
+          </p:txBody>
+        </p:sp>
+      </p:grpSp>
+      <p:grpSp>
+        <p:nvGrpSpPr>
+          <p:cNvPr id="9" name="Group 9"/>
+          <p:cNvGrpSpPr/>
+          <p:nvPr/>
+        </p:nvGrpSpPr>
+        <p:grpSpPr>
+          <a:xfrm>
+            <a:off x="1028700" y="9203238"/>
+            <a:ext cx="2248800" cy="784800"/>
+            <a:chOff x="0" y="0"/>
+            <a:chExt cx="2998400" cy="1046400"/>
+          </a:xfrm>
+        </p:grpSpPr>
+        <p:sp>
+          <p:nvSpPr>
+            <p:cNvPr id="10" name="Freeform 10"/>
+            <p:cNvSpPr/>
+            <p:nvPr/>
+          </p:nvSpPr>
+          <p:spPr>
+            <a:xfrm>
+              <a:off x="0" y="0"/>
+              <a:ext cx="2998400" cy="1046400"/>
+            </a:xfrm>
+            <a:custGeom>
+              <a:avLst/>
+              <a:gdLst/>
+              <a:ahLst/>
+              <a:cxnLst/>
+              <a:rect l="l" t="t" r="r" b="b"/>
+              <a:pathLst>
+                <a:path w="2998400" h="1046400">
+                  <a:moveTo>
+                    <a:pt x="0" y="0"/>
+                  </a:moveTo>
+                  <a:lnTo>
+                    <a:pt x="2998400" y="0"/>
+                  </a:lnTo>
+                  <a:lnTo>
+                    <a:pt x="2998400" y="1046400"/>
+                  </a:lnTo>
+                  <a:lnTo>
+                    <a:pt x="0" y="1046400"/>
+                  </a:lnTo>
+                  <a:close/>
+                </a:path>
+              </a:pathLst>
+            </a:custGeom>
+            <a:solidFill>
+              <a:srgbClr val="000000">
+                <a:alpha val="0"/>
+              </a:srgbClr>
+            </a:solidFill>
+          </p:spPr>
+          <p:txBody>
+            <a:bodyPr/>
+            <a:lstStyle/>
+            <a:p>
+              <a:endParaRPr lang="en-US"/>
+            </a:p>
+          </p:txBody>
+        </p:sp>
+        <p:sp>
+          <p:nvSpPr>
+            <p:cNvPr id="11" name="TextBox 11"/>
+            <p:cNvSpPr txBox="1"/>
+            <p:nvPr/>
+          </p:nvSpPr>
+          <p:spPr>
+            <a:xfrm>
+              <a:off x="0" y="-9525"/>
+              <a:ext cx="2998400" cy="1055925"/>
+            </a:xfrm>
+            <a:prstGeom prst="rect">
+              <a:avLst/>
+            </a:prstGeom>
+          </p:spPr>
+          <p:txBody>
+            <a:bodyPr lIns="0" tIns="0" rIns="0" bIns="0" rtlCol="0" anchor="ctr"/>
+            <a:lstStyle/>
+            <a:p>
+              <a:pPr algn="ctr">
+                <a:lnSpc>
+                  <a:spcPts val="2400"/>
+                </a:lnSpc>
+              </a:pPr>
+              <a:r>
+                <a:rPr lang="en-US" sz="2000">
+                  <a:solidFill>
+                    <a:srgbClr val="FFFFFF"/>
+                  </a:solidFill>
+                  <a:latin typeface="Arimo"/>
+                  <a:ea typeface="Arimo"/>
+                  <a:cs typeface="Arimo"/>
+                  <a:sym typeface="Arimo"/>
+                </a:rPr>
+                <a:t>Athylze</a:t>
+              </a:r>
+            </a:p>
+          </p:txBody>
+        </p:sp>
+      </p:grpSp>
+      <p:sp>
+        <p:nvSpPr>
+          <p:cNvPr id="12" name="AutoShape 12"/>
+          <p:cNvSpPr/>
+          <p:nvPr/>
+        </p:nvSpPr>
+        <p:spPr>
+          <a:xfrm rot="3966">
+            <a:off x="2851870" y="9600400"/>
+            <a:ext cx="16510061" cy="0"/>
+          </a:xfrm>
+          <a:prstGeom prst="line">
+            <a:avLst/>
+          </a:prstGeom>
+          <a:ln w="9525" cap="rnd">
+            <a:solidFill>
+              <a:srgbClr val="FFFFFF"/>
+            </a:solidFill>
+            <a:prstDash val="solid"/>
+            <a:headEnd type="none" w="sm" len="sm"/>
+            <a:tailEnd type="none" w="sm" len="sm"/>
+          </a:ln>
+        </p:spPr>
+        <p:txBody>
+          <a:bodyPr/>
+          <a:lstStyle/>
+          <a:p>
+            <a:endParaRPr lang="en-US"/>
+          </a:p>
+        </p:txBody>
+      </p:sp>
+    </p:spTree>
+  </p:cSld>
+  <p:clrMapOvr>
+    <a:masterClrMapping/>
+  </p:clrMapOvr>
+</p:sld>
+</file>
+
+<file path=ppt/slides/slide11.xml><?xml version="1.0" encoding="utf-8"?>
 <p:sld xmlns:a="http://schemas.openxmlformats.org/drawingml/2006/main" xmlns:r="http://schemas.openxmlformats.org/officeDocument/2006/relationships" xmlns:p="http://schemas.openxmlformats.org/presentationml/2006/main">
   <p:cSld>
     <p:bg>
@@ -8693,7 +9383,7 @@
 </p:sld>
 </file>
 
-<file path=ppt/slides/slide11.xml><?xml version="1.0" encoding="utf-8"?>
+<file path=ppt/slides/slide12.xml><?xml version="1.0" encoding="utf-8"?>
 <p:sld xmlns:a="http://schemas.openxmlformats.org/drawingml/2006/main" xmlns:r="http://schemas.openxmlformats.org/officeDocument/2006/relationships" xmlns:p="http://schemas.openxmlformats.org/presentationml/2006/main">
   <p:cSld>
     <p:bg>
@@ -9191,7 +9881,7 @@
 </p:sld>
 </file>
 
-<file path=ppt/slides/slide12.xml><?xml version="1.0" encoding="utf-8"?>
+<file path=ppt/slides/slide13.xml><?xml version="1.0" encoding="utf-8"?>
 <p:sld xmlns:a="http://schemas.openxmlformats.org/drawingml/2006/main" xmlns:r="http://schemas.openxmlformats.org/officeDocument/2006/relationships" xmlns:p="http://schemas.openxmlformats.org/presentationml/2006/main">
   <p:cSld>
     <p:bg>
@@ -9617,7 +10307,7 @@
 </p:sld>
 </file>
 
-<file path=ppt/slides/slide13.xml><?xml version="1.0" encoding="utf-8"?>
+<file path=ppt/slides/slide14.xml><?xml version="1.0" encoding="utf-8"?>
 <p:sld xmlns:a="http://schemas.openxmlformats.org/drawingml/2006/main" xmlns:r="http://schemas.openxmlformats.org/officeDocument/2006/relationships" xmlns:p="http://schemas.openxmlformats.org/presentationml/2006/main">
   <p:cSld>
     <p:bg>
@@ -10064,7 +10754,7 @@
 </p:sld>
 </file>
 
-<file path=ppt/slides/slide14.xml><?xml version="1.0" encoding="utf-8"?>
+<file path=ppt/slides/slide15.xml><?xml version="1.0" encoding="utf-8"?>
 <p:sld xmlns:a="http://schemas.openxmlformats.org/drawingml/2006/main" xmlns:r="http://schemas.openxmlformats.org/officeDocument/2006/relationships" xmlns:p="http://schemas.openxmlformats.org/presentationml/2006/main">
   <p:cSld>
     <p:bg>
@@ -11723,7 +12413,7 @@
 </p:sld>
 </file>
 
-<file path=ppt/slides/slide15.xml><?xml version="1.0" encoding="utf-8"?>
+<file path=ppt/slides/slide16.xml><?xml version="1.0" encoding="utf-8"?>
 <p:sld xmlns:a="http://schemas.openxmlformats.org/drawingml/2006/main" xmlns:r="http://schemas.openxmlformats.org/officeDocument/2006/relationships" xmlns:p="http://schemas.openxmlformats.org/presentationml/2006/main">
   <p:cSld>
     <p:bg>
@@ -12149,7 +12839,7 @@
 </p:sld>
 </file>
 
-<file path=ppt/slides/slide16.xml><?xml version="1.0" encoding="utf-8"?>
+<file path=ppt/slides/slide17.xml><?xml version="1.0" encoding="utf-8"?>
 <p:sld xmlns:a="http://schemas.openxmlformats.org/drawingml/2006/main" xmlns:r="http://schemas.openxmlformats.org/officeDocument/2006/relationships" xmlns:p="http://schemas.openxmlformats.org/presentationml/2006/main">
   <p:cSld>
     <p:bg>
@@ -12644,7 +13334,7 @@
 </p:sld>
 </file>
 
-<file path=ppt/slides/slide17.xml><?xml version="1.0" encoding="utf-8"?>
+<file path=ppt/slides/slide18.xml><?xml version="1.0" encoding="utf-8"?>
 <p:sld xmlns:a="http://schemas.openxmlformats.org/drawingml/2006/main" xmlns:r="http://schemas.openxmlformats.org/officeDocument/2006/relationships" xmlns:p="http://schemas.openxmlformats.org/presentationml/2006/main">
   <p:cSld>
     <p:bg>
@@ -13070,7 +13760,7 @@
 </p:sld>
 </file>
 
-<file path=ppt/slides/slide18.xml><?xml version="1.0" encoding="utf-8"?>
+<file path=ppt/slides/slide19.xml><?xml version="1.0" encoding="utf-8"?>
 <p:sld xmlns:a="http://schemas.openxmlformats.org/drawingml/2006/main" xmlns:r="http://schemas.openxmlformats.org/officeDocument/2006/relationships" xmlns:p="http://schemas.openxmlformats.org/presentationml/2006/main">
   <p:cSld>
     <p:bg>
@@ -13473,7 +14163,1448 @@
 </p:sld>
 </file>
 
-<file path=ppt/slides/slide19.xml><?xml version="1.0" encoding="utf-8"?>
+<file path=ppt/slides/slide2.xml><?xml version="1.0" encoding="utf-8"?>
+<p:sld xmlns:a="http://schemas.openxmlformats.org/drawingml/2006/main" xmlns:r="http://schemas.openxmlformats.org/officeDocument/2006/relationships" xmlns:p="http://schemas.openxmlformats.org/presentationml/2006/main">
+  <p:cSld>
+    <p:bg>
+      <p:bgPr>
+        <a:solidFill>
+          <a:srgbClr val="091060"/>
+        </a:solidFill>
+        <a:effectLst/>
+      </p:bgPr>
+    </p:bg>
+    <p:spTree>
+      <p:nvGrpSpPr>
+        <p:cNvPr id="1" name=""/>
+        <p:cNvGrpSpPr/>
+        <p:nvPr/>
+      </p:nvGrpSpPr>
+      <p:grpSpPr>
+        <a:xfrm>
+          <a:off x="0" y="0"/>
+          <a:ext cx="0" cy="0"/>
+          <a:chOff x="0" y="0"/>
+          <a:chExt cx="0" cy="0"/>
+        </a:xfrm>
+      </p:grpSpPr>
+      <p:sp>
+        <p:nvSpPr>
+          <p:cNvPr id="2" name="Freeform 2"/>
+          <p:cNvSpPr/>
+          <p:nvPr/>
+        </p:nvSpPr>
+        <p:spPr>
+          <a:xfrm>
+            <a:off x="-9525" y="-9525"/>
+            <a:ext cx="18307050" cy="10306050"/>
+          </a:xfrm>
+          <a:custGeom>
+            <a:avLst/>
+            <a:gdLst/>
+            <a:ahLst/>
+            <a:cxnLst/>
+            <a:rect l="l" t="t" r="r" b="b"/>
+            <a:pathLst>
+              <a:path w="18307050" h="10306050">
+                <a:moveTo>
+                  <a:pt x="0" y="0"/>
+                </a:moveTo>
+                <a:lnTo>
+                  <a:pt x="18307050" y="0"/>
+                </a:lnTo>
+                <a:lnTo>
+                  <a:pt x="18307050" y="10306050"/>
+                </a:lnTo>
+                <a:lnTo>
+                  <a:pt x="0" y="10306050"/>
+                </a:lnTo>
+                <a:lnTo>
+                  <a:pt x="0" y="0"/>
+                </a:lnTo>
+                <a:close/>
+              </a:path>
+            </a:pathLst>
+          </a:custGeom>
+          <a:blipFill>
+            <a:blip r:embed="rId3"/>
+            <a:stretch>
+              <a:fillRect r="-80"/>
+            </a:stretch>
+          </a:blipFill>
+        </p:spPr>
+        <p:txBody>
+          <a:bodyPr/>
+          <a:lstStyle/>
+          <a:p>
+            <a:endParaRPr lang="en-US"/>
+          </a:p>
+        </p:txBody>
+      </p:sp>
+      <p:grpSp>
+        <p:nvGrpSpPr>
+          <p:cNvPr id="3" name="Group 3"/>
+          <p:cNvGrpSpPr/>
+          <p:nvPr/>
+        </p:nvGrpSpPr>
+        <p:grpSpPr>
+          <a:xfrm>
+            <a:off x="1426450" y="1079000"/>
+            <a:ext cx="7372800" cy="1240200"/>
+            <a:chOff x="0" y="0"/>
+            <a:chExt cx="9830400" cy="1653600"/>
+          </a:xfrm>
+        </p:grpSpPr>
+        <p:sp>
+          <p:nvSpPr>
+            <p:cNvPr id="4" name="Freeform 4"/>
+            <p:cNvSpPr/>
+            <p:nvPr/>
+          </p:nvSpPr>
+          <p:spPr>
+            <a:xfrm>
+              <a:off x="0" y="0"/>
+              <a:ext cx="9830400" cy="1653600"/>
+            </a:xfrm>
+            <a:custGeom>
+              <a:avLst/>
+              <a:gdLst/>
+              <a:ahLst/>
+              <a:cxnLst/>
+              <a:rect l="l" t="t" r="r" b="b"/>
+              <a:pathLst>
+                <a:path w="9830400" h="1653600">
+                  <a:moveTo>
+                    <a:pt x="0" y="0"/>
+                  </a:moveTo>
+                  <a:lnTo>
+                    <a:pt x="9830400" y="0"/>
+                  </a:lnTo>
+                  <a:lnTo>
+                    <a:pt x="9830400" y="1653600"/>
+                  </a:lnTo>
+                  <a:lnTo>
+                    <a:pt x="0" y="1653600"/>
+                  </a:lnTo>
+                  <a:close/>
+                </a:path>
+              </a:pathLst>
+            </a:custGeom>
+            <a:solidFill>
+              <a:srgbClr val="000000">
+                <a:alpha val="0"/>
+              </a:srgbClr>
+            </a:solidFill>
+          </p:spPr>
+          <p:txBody>
+            <a:bodyPr/>
+            <a:lstStyle/>
+            <a:p>
+              <a:endParaRPr lang="en-US"/>
+            </a:p>
+          </p:txBody>
+        </p:sp>
+        <p:sp>
+          <p:nvSpPr>
+            <p:cNvPr id="5" name="TextBox 5"/>
+            <p:cNvSpPr txBox="1"/>
+            <p:nvPr/>
+          </p:nvSpPr>
+          <p:spPr>
+            <a:xfrm>
+              <a:off x="0" y="-19050"/>
+              <a:ext cx="9830400" cy="1672650"/>
+            </a:xfrm>
+            <a:prstGeom prst="rect">
+              <a:avLst/>
+            </a:prstGeom>
+          </p:spPr>
+          <p:txBody>
+            <a:bodyPr lIns="0" tIns="0" rIns="0" bIns="0" rtlCol="0" anchor="t"/>
+            <a:lstStyle/>
+            <a:p>
+              <a:pPr algn="l">
+                <a:lnSpc>
+                  <a:spcPts val="6240"/>
+                </a:lnSpc>
+              </a:pPr>
+              <a:r>
+                <a:rPr lang="en-US" sz="5200">
+                  <a:solidFill>
+                    <a:srgbClr val="FFFFFF"/>
+                  </a:solidFill>
+                  <a:latin typeface="Arimo"/>
+                  <a:ea typeface="Arimo"/>
+                  <a:cs typeface="Arimo"/>
+                  <a:sym typeface="Arimo"/>
+                </a:rPr>
+                <a:t>Table of contents</a:t>
+              </a:r>
+            </a:p>
+            <a:p>
+              <a:pPr algn="l">
+                <a:lnSpc>
+                  <a:spcPts val="6240"/>
+                </a:lnSpc>
+              </a:pPr>
+              <a:endParaRPr lang="en-US" sz="5200">
+                <a:solidFill>
+                  <a:srgbClr val="FFFFFF"/>
+                </a:solidFill>
+                <a:latin typeface="Arimo"/>
+                <a:ea typeface="Arimo"/>
+                <a:cs typeface="Arimo"/>
+                <a:sym typeface="Arimo"/>
+              </a:endParaRPr>
+            </a:p>
+          </p:txBody>
+        </p:sp>
+      </p:grpSp>
+      <p:grpSp>
+        <p:nvGrpSpPr>
+          <p:cNvPr id="6" name="Group 6"/>
+          <p:cNvGrpSpPr/>
+          <p:nvPr/>
+        </p:nvGrpSpPr>
+        <p:grpSpPr>
+          <a:xfrm>
+            <a:off x="9144000" y="1438262"/>
+            <a:ext cx="2026800" cy="1240200"/>
+            <a:chOff x="0" y="0"/>
+            <a:chExt cx="2702400" cy="1653600"/>
+          </a:xfrm>
+        </p:grpSpPr>
+        <p:sp>
+          <p:nvSpPr>
+            <p:cNvPr id="7" name="Freeform 7"/>
+            <p:cNvSpPr/>
+            <p:nvPr/>
+          </p:nvSpPr>
+          <p:spPr>
+            <a:xfrm>
+              <a:off x="0" y="0"/>
+              <a:ext cx="2702400" cy="1653600"/>
+            </a:xfrm>
+            <a:custGeom>
+              <a:avLst/>
+              <a:gdLst/>
+              <a:ahLst/>
+              <a:cxnLst/>
+              <a:rect l="l" t="t" r="r" b="b"/>
+              <a:pathLst>
+                <a:path w="2702400" h="1653600">
+                  <a:moveTo>
+                    <a:pt x="0" y="0"/>
+                  </a:moveTo>
+                  <a:lnTo>
+                    <a:pt x="2702400" y="0"/>
+                  </a:lnTo>
+                  <a:lnTo>
+                    <a:pt x="2702400" y="1653600"/>
+                  </a:lnTo>
+                  <a:lnTo>
+                    <a:pt x="0" y="1653600"/>
+                  </a:lnTo>
+                  <a:close/>
+                </a:path>
+              </a:pathLst>
+            </a:custGeom>
+            <a:solidFill>
+              <a:srgbClr val="000000">
+                <a:alpha val="0"/>
+              </a:srgbClr>
+            </a:solidFill>
+          </p:spPr>
+          <p:txBody>
+            <a:bodyPr/>
+            <a:lstStyle/>
+            <a:p>
+              <a:endParaRPr lang="en-US"/>
+            </a:p>
+          </p:txBody>
+        </p:sp>
+        <p:sp>
+          <p:nvSpPr>
+            <p:cNvPr id="8" name="TextBox 8"/>
+            <p:cNvSpPr txBox="1"/>
+            <p:nvPr/>
+          </p:nvSpPr>
+          <p:spPr>
+            <a:xfrm>
+              <a:off x="0" y="-19050"/>
+              <a:ext cx="2702400" cy="1672650"/>
+            </a:xfrm>
+            <a:prstGeom prst="rect">
+              <a:avLst/>
+            </a:prstGeom>
+          </p:spPr>
+          <p:txBody>
+            <a:bodyPr lIns="0" tIns="0" rIns="0" bIns="0" rtlCol="0" anchor="ctr"/>
+            <a:lstStyle/>
+            <a:p>
+              <a:pPr algn="r">
+                <a:lnSpc>
+                  <a:spcPts val="6240"/>
+                </a:lnSpc>
+              </a:pPr>
+              <a:r>
+                <a:rPr lang="en-US" sz="5200">
+                  <a:solidFill>
+                    <a:srgbClr val="FFFFFF"/>
+                  </a:solidFill>
+                  <a:latin typeface="Arimo"/>
+                  <a:ea typeface="Arimo"/>
+                  <a:cs typeface="Arimo"/>
+                  <a:sym typeface="Arimo"/>
+                </a:rPr>
+                <a:t>(01)</a:t>
+              </a:r>
+            </a:p>
+          </p:txBody>
+        </p:sp>
+      </p:grpSp>
+      <p:grpSp>
+        <p:nvGrpSpPr>
+          <p:cNvPr id="9" name="Group 9"/>
+          <p:cNvGrpSpPr/>
+          <p:nvPr/>
+        </p:nvGrpSpPr>
+        <p:grpSpPr>
+          <a:xfrm>
+            <a:off x="9144000" y="4148662"/>
+            <a:ext cx="2026800" cy="1240200"/>
+            <a:chOff x="0" y="0"/>
+            <a:chExt cx="2702400" cy="1653600"/>
+          </a:xfrm>
+        </p:grpSpPr>
+        <p:sp>
+          <p:nvSpPr>
+            <p:cNvPr id="10" name="Freeform 10"/>
+            <p:cNvSpPr/>
+            <p:nvPr/>
+          </p:nvSpPr>
+          <p:spPr>
+            <a:xfrm>
+              <a:off x="0" y="0"/>
+              <a:ext cx="2702400" cy="1653600"/>
+            </a:xfrm>
+            <a:custGeom>
+              <a:avLst/>
+              <a:gdLst/>
+              <a:ahLst/>
+              <a:cxnLst/>
+              <a:rect l="l" t="t" r="r" b="b"/>
+              <a:pathLst>
+                <a:path w="2702400" h="1653600">
+                  <a:moveTo>
+                    <a:pt x="0" y="0"/>
+                  </a:moveTo>
+                  <a:lnTo>
+                    <a:pt x="2702400" y="0"/>
+                  </a:lnTo>
+                  <a:lnTo>
+                    <a:pt x="2702400" y="1653600"/>
+                  </a:lnTo>
+                  <a:lnTo>
+                    <a:pt x="0" y="1653600"/>
+                  </a:lnTo>
+                  <a:close/>
+                </a:path>
+              </a:pathLst>
+            </a:custGeom>
+            <a:solidFill>
+              <a:srgbClr val="000000">
+                <a:alpha val="0"/>
+              </a:srgbClr>
+            </a:solidFill>
+          </p:spPr>
+          <p:txBody>
+            <a:bodyPr/>
+            <a:lstStyle/>
+            <a:p>
+              <a:endParaRPr lang="en-US"/>
+            </a:p>
+          </p:txBody>
+        </p:sp>
+        <p:sp>
+          <p:nvSpPr>
+            <p:cNvPr id="11" name="TextBox 11"/>
+            <p:cNvSpPr txBox="1"/>
+            <p:nvPr/>
+          </p:nvSpPr>
+          <p:spPr>
+            <a:xfrm>
+              <a:off x="0" y="-19050"/>
+              <a:ext cx="2702400" cy="1672650"/>
+            </a:xfrm>
+            <a:prstGeom prst="rect">
+              <a:avLst/>
+            </a:prstGeom>
+          </p:spPr>
+          <p:txBody>
+            <a:bodyPr lIns="0" tIns="0" rIns="0" bIns="0" rtlCol="0" anchor="ctr"/>
+            <a:lstStyle/>
+            <a:p>
+              <a:pPr algn="r">
+                <a:lnSpc>
+                  <a:spcPts val="6240"/>
+                </a:lnSpc>
+              </a:pPr>
+              <a:r>
+                <a:rPr lang="en-US" sz="5200">
+                  <a:solidFill>
+                    <a:srgbClr val="FFFFFF"/>
+                  </a:solidFill>
+                  <a:latin typeface="Arimo"/>
+                  <a:ea typeface="Arimo"/>
+                  <a:cs typeface="Arimo"/>
+                  <a:sym typeface="Arimo"/>
+                </a:rPr>
+                <a:t>(03)</a:t>
+              </a:r>
+            </a:p>
+          </p:txBody>
+        </p:sp>
+      </p:grpSp>
+      <p:grpSp>
+        <p:nvGrpSpPr>
+          <p:cNvPr id="12" name="Group 12"/>
+          <p:cNvGrpSpPr/>
+          <p:nvPr/>
+        </p:nvGrpSpPr>
+        <p:grpSpPr>
+          <a:xfrm>
+            <a:off x="9144000" y="2793462"/>
+            <a:ext cx="2026800" cy="1240200"/>
+            <a:chOff x="0" y="0"/>
+            <a:chExt cx="2702400" cy="1653600"/>
+          </a:xfrm>
+        </p:grpSpPr>
+        <p:sp>
+          <p:nvSpPr>
+            <p:cNvPr id="13" name="Freeform 13"/>
+            <p:cNvSpPr/>
+            <p:nvPr/>
+          </p:nvSpPr>
+          <p:spPr>
+            <a:xfrm>
+              <a:off x="0" y="0"/>
+              <a:ext cx="2702400" cy="1653600"/>
+            </a:xfrm>
+            <a:custGeom>
+              <a:avLst/>
+              <a:gdLst/>
+              <a:ahLst/>
+              <a:cxnLst/>
+              <a:rect l="l" t="t" r="r" b="b"/>
+              <a:pathLst>
+                <a:path w="2702400" h="1653600">
+                  <a:moveTo>
+                    <a:pt x="0" y="0"/>
+                  </a:moveTo>
+                  <a:lnTo>
+                    <a:pt x="2702400" y="0"/>
+                  </a:lnTo>
+                  <a:lnTo>
+                    <a:pt x="2702400" y="1653600"/>
+                  </a:lnTo>
+                  <a:lnTo>
+                    <a:pt x="0" y="1653600"/>
+                  </a:lnTo>
+                  <a:close/>
+                </a:path>
+              </a:pathLst>
+            </a:custGeom>
+            <a:solidFill>
+              <a:srgbClr val="000000">
+                <a:alpha val="0"/>
+              </a:srgbClr>
+            </a:solidFill>
+          </p:spPr>
+          <p:txBody>
+            <a:bodyPr/>
+            <a:lstStyle/>
+            <a:p>
+              <a:endParaRPr lang="en-US"/>
+            </a:p>
+          </p:txBody>
+        </p:sp>
+        <p:sp>
+          <p:nvSpPr>
+            <p:cNvPr id="14" name="TextBox 14"/>
+            <p:cNvSpPr txBox="1"/>
+            <p:nvPr/>
+          </p:nvSpPr>
+          <p:spPr>
+            <a:xfrm>
+              <a:off x="0" y="-19050"/>
+              <a:ext cx="2702400" cy="1672650"/>
+            </a:xfrm>
+            <a:prstGeom prst="rect">
+              <a:avLst/>
+            </a:prstGeom>
+          </p:spPr>
+          <p:txBody>
+            <a:bodyPr lIns="0" tIns="0" rIns="0" bIns="0" rtlCol="0" anchor="ctr"/>
+            <a:lstStyle/>
+            <a:p>
+              <a:pPr algn="r">
+                <a:lnSpc>
+                  <a:spcPts val="6240"/>
+                </a:lnSpc>
+              </a:pPr>
+              <a:r>
+                <a:rPr lang="en-US" sz="5200">
+                  <a:solidFill>
+                    <a:srgbClr val="FFFFFF"/>
+                  </a:solidFill>
+                  <a:latin typeface="Arimo"/>
+                  <a:ea typeface="Arimo"/>
+                  <a:cs typeface="Arimo"/>
+                  <a:sym typeface="Arimo"/>
+                </a:rPr>
+                <a:t>(02)</a:t>
+              </a:r>
+            </a:p>
+          </p:txBody>
+        </p:sp>
+      </p:grpSp>
+      <p:grpSp>
+        <p:nvGrpSpPr>
+          <p:cNvPr id="15" name="Group 15"/>
+          <p:cNvGrpSpPr/>
+          <p:nvPr/>
+        </p:nvGrpSpPr>
+        <p:grpSpPr>
+          <a:xfrm>
+            <a:off x="9144000" y="5503862"/>
+            <a:ext cx="2026800" cy="1240200"/>
+            <a:chOff x="0" y="0"/>
+            <a:chExt cx="2702400" cy="1653600"/>
+          </a:xfrm>
+        </p:grpSpPr>
+        <p:sp>
+          <p:nvSpPr>
+            <p:cNvPr id="16" name="Freeform 16"/>
+            <p:cNvSpPr/>
+            <p:nvPr/>
+          </p:nvSpPr>
+          <p:spPr>
+            <a:xfrm>
+              <a:off x="0" y="0"/>
+              <a:ext cx="2702400" cy="1653600"/>
+            </a:xfrm>
+            <a:custGeom>
+              <a:avLst/>
+              <a:gdLst/>
+              <a:ahLst/>
+              <a:cxnLst/>
+              <a:rect l="l" t="t" r="r" b="b"/>
+              <a:pathLst>
+                <a:path w="2702400" h="1653600">
+                  <a:moveTo>
+                    <a:pt x="0" y="0"/>
+                  </a:moveTo>
+                  <a:lnTo>
+                    <a:pt x="2702400" y="0"/>
+                  </a:lnTo>
+                  <a:lnTo>
+                    <a:pt x="2702400" y="1653600"/>
+                  </a:lnTo>
+                  <a:lnTo>
+                    <a:pt x="0" y="1653600"/>
+                  </a:lnTo>
+                  <a:close/>
+                </a:path>
+              </a:pathLst>
+            </a:custGeom>
+            <a:solidFill>
+              <a:srgbClr val="000000">
+                <a:alpha val="0"/>
+              </a:srgbClr>
+            </a:solidFill>
+          </p:spPr>
+          <p:txBody>
+            <a:bodyPr/>
+            <a:lstStyle/>
+            <a:p>
+              <a:endParaRPr lang="en-US"/>
+            </a:p>
+          </p:txBody>
+        </p:sp>
+        <p:sp>
+          <p:nvSpPr>
+            <p:cNvPr id="17" name="TextBox 17"/>
+            <p:cNvSpPr txBox="1"/>
+            <p:nvPr/>
+          </p:nvSpPr>
+          <p:spPr>
+            <a:xfrm>
+              <a:off x="0" y="-19050"/>
+              <a:ext cx="2702400" cy="1672650"/>
+            </a:xfrm>
+            <a:prstGeom prst="rect">
+              <a:avLst/>
+            </a:prstGeom>
+          </p:spPr>
+          <p:txBody>
+            <a:bodyPr lIns="0" tIns="0" rIns="0" bIns="0" rtlCol="0" anchor="ctr"/>
+            <a:lstStyle/>
+            <a:p>
+              <a:pPr algn="r">
+                <a:lnSpc>
+                  <a:spcPts val="6240"/>
+                </a:lnSpc>
+              </a:pPr>
+              <a:r>
+                <a:rPr lang="en-US" sz="5200">
+                  <a:solidFill>
+                    <a:srgbClr val="FFFFFF"/>
+                  </a:solidFill>
+                  <a:latin typeface="Arimo"/>
+                  <a:ea typeface="Arimo"/>
+                  <a:cs typeface="Arimo"/>
+                  <a:sym typeface="Arimo"/>
+                </a:rPr>
+                <a:t>(04)</a:t>
+              </a:r>
+            </a:p>
+          </p:txBody>
+        </p:sp>
+      </p:grpSp>
+      <p:grpSp>
+        <p:nvGrpSpPr>
+          <p:cNvPr id="18" name="Group 18"/>
+          <p:cNvGrpSpPr/>
+          <p:nvPr/>
+        </p:nvGrpSpPr>
+        <p:grpSpPr>
+          <a:xfrm>
+            <a:off x="11274446" y="1438288"/>
+            <a:ext cx="5742000" cy="1240200"/>
+            <a:chOff x="0" y="0"/>
+            <a:chExt cx="7656000" cy="1653600"/>
+          </a:xfrm>
+        </p:grpSpPr>
+        <p:sp>
+          <p:nvSpPr>
+            <p:cNvPr id="19" name="Freeform 19"/>
+            <p:cNvSpPr/>
+            <p:nvPr/>
+          </p:nvSpPr>
+          <p:spPr>
+            <a:xfrm>
+              <a:off x="0" y="0"/>
+              <a:ext cx="7656000" cy="1653600"/>
+            </a:xfrm>
+            <a:custGeom>
+              <a:avLst/>
+              <a:gdLst/>
+              <a:ahLst/>
+              <a:cxnLst/>
+              <a:rect l="l" t="t" r="r" b="b"/>
+              <a:pathLst>
+                <a:path w="7656000" h="1653600">
+                  <a:moveTo>
+                    <a:pt x="0" y="0"/>
+                  </a:moveTo>
+                  <a:lnTo>
+                    <a:pt x="7656000" y="0"/>
+                  </a:lnTo>
+                  <a:lnTo>
+                    <a:pt x="7656000" y="1653600"/>
+                  </a:lnTo>
+                  <a:lnTo>
+                    <a:pt x="0" y="1653600"/>
+                  </a:lnTo>
+                  <a:close/>
+                </a:path>
+              </a:pathLst>
+            </a:custGeom>
+            <a:solidFill>
+              <a:srgbClr val="000000">
+                <a:alpha val="0"/>
+              </a:srgbClr>
+            </a:solidFill>
+          </p:spPr>
+          <p:txBody>
+            <a:bodyPr/>
+            <a:lstStyle/>
+            <a:p>
+              <a:endParaRPr lang="en-US"/>
+            </a:p>
+          </p:txBody>
+        </p:sp>
+        <p:sp>
+          <p:nvSpPr>
+            <p:cNvPr id="20" name="TextBox 20"/>
+            <p:cNvSpPr txBox="1"/>
+            <p:nvPr/>
+          </p:nvSpPr>
+          <p:spPr>
+            <a:xfrm>
+              <a:off x="0" y="-19050"/>
+              <a:ext cx="7656000" cy="1672650"/>
+            </a:xfrm>
+            <a:prstGeom prst="rect">
+              <a:avLst/>
+            </a:prstGeom>
+          </p:spPr>
+          <p:txBody>
+            <a:bodyPr lIns="0" tIns="0" rIns="0" bIns="0" rtlCol="0" anchor="ctr"/>
+            <a:lstStyle/>
+            <a:p>
+              <a:pPr algn="l">
+                <a:lnSpc>
+                  <a:spcPts val="4800"/>
+                </a:lnSpc>
+              </a:pPr>
+              <a:r>
+                <a:rPr lang="en-US" sz="4000" dirty="0">
+                  <a:solidFill>
+                    <a:srgbClr val="FFFFFF"/>
+                  </a:solidFill>
+                  <a:latin typeface="Arimo"/>
+                  <a:ea typeface="Arimo"/>
+                  <a:cs typeface="Arimo"/>
+                  <a:sym typeface="Arimo"/>
+                </a:rPr>
+                <a:t>Application Overview</a:t>
+              </a:r>
+            </a:p>
+          </p:txBody>
+        </p:sp>
+      </p:grpSp>
+      <p:grpSp>
+        <p:nvGrpSpPr>
+          <p:cNvPr id="21" name="Group 21"/>
+          <p:cNvGrpSpPr/>
+          <p:nvPr/>
+        </p:nvGrpSpPr>
+        <p:grpSpPr>
+          <a:xfrm>
+            <a:off x="11274446" y="2793488"/>
+            <a:ext cx="5742000" cy="1240200"/>
+            <a:chOff x="0" y="0"/>
+            <a:chExt cx="7656000" cy="1653600"/>
+          </a:xfrm>
+        </p:grpSpPr>
+        <p:sp>
+          <p:nvSpPr>
+            <p:cNvPr id="22" name="Freeform 22"/>
+            <p:cNvSpPr/>
+            <p:nvPr/>
+          </p:nvSpPr>
+          <p:spPr>
+            <a:xfrm>
+              <a:off x="0" y="0"/>
+              <a:ext cx="7656000" cy="1653600"/>
+            </a:xfrm>
+            <a:custGeom>
+              <a:avLst/>
+              <a:gdLst/>
+              <a:ahLst/>
+              <a:cxnLst/>
+              <a:rect l="l" t="t" r="r" b="b"/>
+              <a:pathLst>
+                <a:path w="7656000" h="1653600">
+                  <a:moveTo>
+                    <a:pt x="0" y="0"/>
+                  </a:moveTo>
+                  <a:lnTo>
+                    <a:pt x="7656000" y="0"/>
+                  </a:lnTo>
+                  <a:lnTo>
+                    <a:pt x="7656000" y="1653600"/>
+                  </a:lnTo>
+                  <a:lnTo>
+                    <a:pt x="0" y="1653600"/>
+                  </a:lnTo>
+                  <a:close/>
+                </a:path>
+              </a:pathLst>
+            </a:custGeom>
+            <a:solidFill>
+              <a:srgbClr val="000000">
+                <a:alpha val="0"/>
+              </a:srgbClr>
+            </a:solidFill>
+          </p:spPr>
+          <p:txBody>
+            <a:bodyPr/>
+            <a:lstStyle/>
+            <a:p>
+              <a:endParaRPr lang="en-US"/>
+            </a:p>
+          </p:txBody>
+        </p:sp>
+        <p:sp>
+          <p:nvSpPr>
+            <p:cNvPr id="23" name="TextBox 23"/>
+            <p:cNvSpPr txBox="1"/>
+            <p:nvPr/>
+          </p:nvSpPr>
+          <p:spPr>
+            <a:xfrm>
+              <a:off x="0" y="-19050"/>
+              <a:ext cx="7656000" cy="1672650"/>
+            </a:xfrm>
+            <a:prstGeom prst="rect">
+              <a:avLst/>
+            </a:prstGeom>
+          </p:spPr>
+          <p:txBody>
+            <a:bodyPr lIns="0" tIns="0" rIns="0" bIns="0" rtlCol="0" anchor="ctr"/>
+            <a:lstStyle/>
+            <a:p>
+              <a:pPr algn="l">
+                <a:lnSpc>
+                  <a:spcPts val="4800"/>
+                </a:lnSpc>
+              </a:pPr>
+              <a:r>
+                <a:rPr lang="en-US" sz="4000">
+                  <a:solidFill>
+                    <a:srgbClr val="FFFFFF"/>
+                  </a:solidFill>
+                  <a:latin typeface="Arimo"/>
+                  <a:ea typeface="Arimo"/>
+                  <a:cs typeface="Arimo"/>
+                  <a:sym typeface="Arimo"/>
+                </a:rPr>
+                <a:t>Core Architecture</a:t>
+              </a:r>
+            </a:p>
+          </p:txBody>
+        </p:sp>
+      </p:grpSp>
+      <p:grpSp>
+        <p:nvGrpSpPr>
+          <p:cNvPr id="24" name="Group 24"/>
+          <p:cNvGrpSpPr/>
+          <p:nvPr/>
+        </p:nvGrpSpPr>
+        <p:grpSpPr>
+          <a:xfrm>
+            <a:off x="11274446" y="4148688"/>
+            <a:ext cx="5742000" cy="1240200"/>
+            <a:chOff x="0" y="0"/>
+            <a:chExt cx="7656000" cy="1653600"/>
+          </a:xfrm>
+        </p:grpSpPr>
+        <p:sp>
+          <p:nvSpPr>
+            <p:cNvPr id="25" name="Freeform 25"/>
+            <p:cNvSpPr/>
+            <p:nvPr/>
+          </p:nvSpPr>
+          <p:spPr>
+            <a:xfrm>
+              <a:off x="0" y="0"/>
+              <a:ext cx="7656000" cy="1653600"/>
+            </a:xfrm>
+            <a:custGeom>
+              <a:avLst/>
+              <a:gdLst/>
+              <a:ahLst/>
+              <a:cxnLst/>
+              <a:rect l="l" t="t" r="r" b="b"/>
+              <a:pathLst>
+                <a:path w="7656000" h="1653600">
+                  <a:moveTo>
+                    <a:pt x="0" y="0"/>
+                  </a:moveTo>
+                  <a:lnTo>
+                    <a:pt x="7656000" y="0"/>
+                  </a:lnTo>
+                  <a:lnTo>
+                    <a:pt x="7656000" y="1653600"/>
+                  </a:lnTo>
+                  <a:lnTo>
+                    <a:pt x="0" y="1653600"/>
+                  </a:lnTo>
+                  <a:close/>
+                </a:path>
+              </a:pathLst>
+            </a:custGeom>
+            <a:solidFill>
+              <a:srgbClr val="000000">
+                <a:alpha val="0"/>
+              </a:srgbClr>
+            </a:solidFill>
+          </p:spPr>
+          <p:txBody>
+            <a:bodyPr/>
+            <a:lstStyle/>
+            <a:p>
+              <a:endParaRPr lang="en-US"/>
+            </a:p>
+          </p:txBody>
+        </p:sp>
+        <p:sp>
+          <p:nvSpPr>
+            <p:cNvPr id="26" name="TextBox 26"/>
+            <p:cNvSpPr txBox="1"/>
+            <p:nvPr/>
+          </p:nvSpPr>
+          <p:spPr>
+            <a:xfrm>
+              <a:off x="0" y="-19050"/>
+              <a:ext cx="7656000" cy="1672650"/>
+            </a:xfrm>
+            <a:prstGeom prst="rect">
+              <a:avLst/>
+            </a:prstGeom>
+          </p:spPr>
+          <p:txBody>
+            <a:bodyPr lIns="0" tIns="0" rIns="0" bIns="0" rtlCol="0" anchor="ctr"/>
+            <a:lstStyle/>
+            <a:p>
+              <a:pPr algn="l">
+                <a:lnSpc>
+                  <a:spcPts val="4800"/>
+                </a:lnSpc>
+              </a:pPr>
+              <a:r>
+                <a:rPr lang="en-US" sz="4000">
+                  <a:solidFill>
+                    <a:srgbClr val="FFFFFF"/>
+                  </a:solidFill>
+                  <a:latin typeface="Arimo"/>
+                  <a:ea typeface="Arimo"/>
+                  <a:cs typeface="Arimo"/>
+                  <a:sym typeface="Arimo"/>
+                </a:rPr>
+                <a:t>Data Flow &amp; Chunking</a:t>
+              </a:r>
+            </a:p>
+          </p:txBody>
+        </p:sp>
+      </p:grpSp>
+      <p:grpSp>
+        <p:nvGrpSpPr>
+          <p:cNvPr id="27" name="Group 27"/>
+          <p:cNvGrpSpPr/>
+          <p:nvPr/>
+        </p:nvGrpSpPr>
+        <p:grpSpPr>
+          <a:xfrm>
+            <a:off x="11274446" y="5503888"/>
+            <a:ext cx="5742000" cy="1408261"/>
+            <a:chOff x="0" y="0"/>
+            <a:chExt cx="7656000" cy="1877682"/>
+          </a:xfrm>
+        </p:grpSpPr>
+        <p:sp>
+          <p:nvSpPr>
+            <p:cNvPr id="28" name="Freeform 28"/>
+            <p:cNvSpPr/>
+            <p:nvPr/>
+          </p:nvSpPr>
+          <p:spPr>
+            <a:xfrm>
+              <a:off x="0" y="0"/>
+              <a:ext cx="7656000" cy="1877682"/>
+            </a:xfrm>
+            <a:custGeom>
+              <a:avLst/>
+              <a:gdLst/>
+              <a:ahLst/>
+              <a:cxnLst/>
+              <a:rect l="l" t="t" r="r" b="b"/>
+              <a:pathLst>
+                <a:path w="7656000" h="1877682">
+                  <a:moveTo>
+                    <a:pt x="0" y="0"/>
+                  </a:moveTo>
+                  <a:lnTo>
+                    <a:pt x="7656000" y="0"/>
+                  </a:lnTo>
+                  <a:lnTo>
+                    <a:pt x="7656000" y="1877682"/>
+                  </a:lnTo>
+                  <a:lnTo>
+                    <a:pt x="0" y="1877682"/>
+                  </a:lnTo>
+                  <a:close/>
+                </a:path>
+              </a:pathLst>
+            </a:custGeom>
+            <a:solidFill>
+              <a:srgbClr val="000000">
+                <a:alpha val="0"/>
+              </a:srgbClr>
+            </a:solidFill>
+          </p:spPr>
+          <p:txBody>
+            <a:bodyPr/>
+            <a:lstStyle/>
+            <a:p>
+              <a:endParaRPr lang="en-US"/>
+            </a:p>
+          </p:txBody>
+        </p:sp>
+        <p:sp>
+          <p:nvSpPr>
+            <p:cNvPr id="29" name="TextBox 29"/>
+            <p:cNvSpPr txBox="1"/>
+            <p:nvPr/>
+          </p:nvSpPr>
+          <p:spPr>
+            <a:xfrm>
+              <a:off x="0" y="-19050"/>
+              <a:ext cx="7656000" cy="1896732"/>
+            </a:xfrm>
+            <a:prstGeom prst="rect">
+              <a:avLst/>
+            </a:prstGeom>
+          </p:spPr>
+          <p:txBody>
+            <a:bodyPr lIns="0" tIns="0" rIns="0" bIns="0" rtlCol="0" anchor="ctr"/>
+            <a:lstStyle/>
+            <a:p>
+              <a:pPr algn="l">
+                <a:lnSpc>
+                  <a:spcPts val="4800"/>
+                </a:lnSpc>
+              </a:pPr>
+              <a:r>
+                <a:rPr lang="en-US" sz="4000">
+                  <a:solidFill>
+                    <a:srgbClr val="FFFFFF"/>
+                  </a:solidFill>
+                  <a:latin typeface="Arimo"/>
+                  <a:ea typeface="Arimo"/>
+                  <a:cs typeface="Arimo"/>
+                  <a:sym typeface="Arimo"/>
+                </a:rPr>
+                <a:t>Agentic Prompt Chain &amp; Langflow</a:t>
+              </a:r>
+            </a:p>
+          </p:txBody>
+        </p:sp>
+      </p:grpSp>
+      <p:grpSp>
+        <p:nvGrpSpPr>
+          <p:cNvPr id="30" name="Group 30"/>
+          <p:cNvGrpSpPr/>
+          <p:nvPr/>
+        </p:nvGrpSpPr>
+        <p:grpSpPr>
+          <a:xfrm>
+            <a:off x="9144000" y="7026450"/>
+            <a:ext cx="2026800" cy="1240200"/>
+            <a:chOff x="0" y="0"/>
+            <a:chExt cx="2702400" cy="1653600"/>
+          </a:xfrm>
+        </p:grpSpPr>
+        <p:sp>
+          <p:nvSpPr>
+            <p:cNvPr id="31" name="Freeform 31"/>
+            <p:cNvSpPr/>
+            <p:nvPr/>
+          </p:nvSpPr>
+          <p:spPr>
+            <a:xfrm>
+              <a:off x="0" y="0"/>
+              <a:ext cx="2702400" cy="1653600"/>
+            </a:xfrm>
+            <a:custGeom>
+              <a:avLst/>
+              <a:gdLst/>
+              <a:ahLst/>
+              <a:cxnLst/>
+              <a:rect l="l" t="t" r="r" b="b"/>
+              <a:pathLst>
+                <a:path w="2702400" h="1653600">
+                  <a:moveTo>
+                    <a:pt x="0" y="0"/>
+                  </a:moveTo>
+                  <a:lnTo>
+                    <a:pt x="2702400" y="0"/>
+                  </a:lnTo>
+                  <a:lnTo>
+                    <a:pt x="2702400" y="1653600"/>
+                  </a:lnTo>
+                  <a:lnTo>
+                    <a:pt x="0" y="1653600"/>
+                  </a:lnTo>
+                  <a:close/>
+                </a:path>
+              </a:pathLst>
+            </a:custGeom>
+            <a:solidFill>
+              <a:srgbClr val="000000">
+                <a:alpha val="0"/>
+              </a:srgbClr>
+            </a:solidFill>
+          </p:spPr>
+          <p:txBody>
+            <a:bodyPr/>
+            <a:lstStyle/>
+            <a:p>
+              <a:endParaRPr lang="en-US"/>
+            </a:p>
+          </p:txBody>
+        </p:sp>
+        <p:sp>
+          <p:nvSpPr>
+            <p:cNvPr id="32" name="TextBox 32"/>
+            <p:cNvSpPr txBox="1"/>
+            <p:nvPr/>
+          </p:nvSpPr>
+          <p:spPr>
+            <a:xfrm>
+              <a:off x="0" y="-19050"/>
+              <a:ext cx="2702400" cy="1672650"/>
+            </a:xfrm>
+            <a:prstGeom prst="rect">
+              <a:avLst/>
+            </a:prstGeom>
+          </p:spPr>
+          <p:txBody>
+            <a:bodyPr lIns="0" tIns="0" rIns="0" bIns="0" rtlCol="0" anchor="ctr"/>
+            <a:lstStyle/>
+            <a:p>
+              <a:pPr algn="r">
+                <a:lnSpc>
+                  <a:spcPts val="6240"/>
+                </a:lnSpc>
+              </a:pPr>
+              <a:r>
+                <a:rPr lang="en-US" sz="5200">
+                  <a:solidFill>
+                    <a:srgbClr val="FFFFFF"/>
+                  </a:solidFill>
+                  <a:latin typeface="Arimo"/>
+                  <a:ea typeface="Arimo"/>
+                  <a:cs typeface="Arimo"/>
+                  <a:sym typeface="Arimo"/>
+                </a:rPr>
+                <a:t>(05)</a:t>
+              </a:r>
+            </a:p>
+          </p:txBody>
+        </p:sp>
+      </p:grpSp>
+      <p:grpSp>
+        <p:nvGrpSpPr>
+          <p:cNvPr id="33" name="Group 33"/>
+          <p:cNvGrpSpPr/>
+          <p:nvPr/>
+        </p:nvGrpSpPr>
+        <p:grpSpPr>
+          <a:xfrm>
+            <a:off x="11274446" y="7026476"/>
+            <a:ext cx="5742000" cy="1408261"/>
+            <a:chOff x="0" y="0"/>
+            <a:chExt cx="7656000" cy="1877682"/>
+          </a:xfrm>
+        </p:grpSpPr>
+        <p:sp>
+          <p:nvSpPr>
+            <p:cNvPr id="34" name="Freeform 34"/>
+            <p:cNvSpPr/>
+            <p:nvPr/>
+          </p:nvSpPr>
+          <p:spPr>
+            <a:xfrm>
+              <a:off x="0" y="0"/>
+              <a:ext cx="7656000" cy="1877682"/>
+            </a:xfrm>
+            <a:custGeom>
+              <a:avLst/>
+              <a:gdLst/>
+              <a:ahLst/>
+              <a:cxnLst/>
+              <a:rect l="l" t="t" r="r" b="b"/>
+              <a:pathLst>
+                <a:path w="7656000" h="1877682">
+                  <a:moveTo>
+                    <a:pt x="0" y="0"/>
+                  </a:moveTo>
+                  <a:lnTo>
+                    <a:pt x="7656000" y="0"/>
+                  </a:lnTo>
+                  <a:lnTo>
+                    <a:pt x="7656000" y="1877682"/>
+                  </a:lnTo>
+                  <a:lnTo>
+                    <a:pt x="0" y="1877682"/>
+                  </a:lnTo>
+                  <a:close/>
+                </a:path>
+              </a:pathLst>
+            </a:custGeom>
+            <a:solidFill>
+              <a:srgbClr val="000000">
+                <a:alpha val="0"/>
+              </a:srgbClr>
+            </a:solidFill>
+          </p:spPr>
+          <p:txBody>
+            <a:bodyPr/>
+            <a:lstStyle/>
+            <a:p>
+              <a:endParaRPr lang="en-US"/>
+            </a:p>
+          </p:txBody>
+        </p:sp>
+        <p:sp>
+          <p:nvSpPr>
+            <p:cNvPr id="35" name="TextBox 35"/>
+            <p:cNvSpPr txBox="1"/>
+            <p:nvPr/>
+          </p:nvSpPr>
+          <p:spPr>
+            <a:xfrm>
+              <a:off x="0" y="-19050"/>
+              <a:ext cx="7656000" cy="1896732"/>
+            </a:xfrm>
+            <a:prstGeom prst="rect">
+              <a:avLst/>
+            </a:prstGeom>
+          </p:spPr>
+          <p:txBody>
+            <a:bodyPr lIns="0" tIns="0" rIns="0" bIns="0" rtlCol="0" anchor="ctr"/>
+            <a:lstStyle/>
+            <a:p>
+              <a:pPr algn="l">
+                <a:lnSpc>
+                  <a:spcPts val="4800"/>
+                </a:lnSpc>
+              </a:pPr>
+              <a:r>
+                <a:rPr lang="en-US" sz="4000">
+                  <a:solidFill>
+                    <a:srgbClr val="FFFFFF"/>
+                  </a:solidFill>
+                  <a:latin typeface="Arimo"/>
+                  <a:ea typeface="Arimo"/>
+                  <a:cs typeface="Arimo"/>
+                  <a:sym typeface="Arimo"/>
+                </a:rPr>
+                <a:t>Performance &amp; Evaluation</a:t>
+              </a:r>
+            </a:p>
+          </p:txBody>
+        </p:sp>
+      </p:grpSp>
+      <p:grpSp>
+        <p:nvGrpSpPr>
+          <p:cNvPr id="36" name="Group 36"/>
+          <p:cNvGrpSpPr/>
+          <p:nvPr/>
+        </p:nvGrpSpPr>
+        <p:grpSpPr>
+          <a:xfrm>
+            <a:off x="9144000" y="8380950"/>
+            <a:ext cx="2026800" cy="1240200"/>
+            <a:chOff x="0" y="0"/>
+            <a:chExt cx="2702400" cy="1653600"/>
+          </a:xfrm>
+        </p:grpSpPr>
+        <p:sp>
+          <p:nvSpPr>
+            <p:cNvPr id="37" name="Freeform 37"/>
+            <p:cNvSpPr/>
+            <p:nvPr/>
+          </p:nvSpPr>
+          <p:spPr>
+            <a:xfrm>
+              <a:off x="0" y="0"/>
+              <a:ext cx="2702400" cy="1653600"/>
+            </a:xfrm>
+            <a:custGeom>
+              <a:avLst/>
+              <a:gdLst/>
+              <a:ahLst/>
+              <a:cxnLst/>
+              <a:rect l="l" t="t" r="r" b="b"/>
+              <a:pathLst>
+                <a:path w="2702400" h="1653600">
+                  <a:moveTo>
+                    <a:pt x="0" y="0"/>
+                  </a:moveTo>
+                  <a:lnTo>
+                    <a:pt x="2702400" y="0"/>
+                  </a:lnTo>
+                  <a:lnTo>
+                    <a:pt x="2702400" y="1653600"/>
+                  </a:lnTo>
+                  <a:lnTo>
+                    <a:pt x="0" y="1653600"/>
+                  </a:lnTo>
+                  <a:close/>
+                </a:path>
+              </a:pathLst>
+            </a:custGeom>
+            <a:solidFill>
+              <a:srgbClr val="000000">
+                <a:alpha val="0"/>
+              </a:srgbClr>
+            </a:solidFill>
+          </p:spPr>
+          <p:txBody>
+            <a:bodyPr/>
+            <a:lstStyle/>
+            <a:p>
+              <a:endParaRPr lang="en-US"/>
+            </a:p>
+          </p:txBody>
+        </p:sp>
+        <p:sp>
+          <p:nvSpPr>
+            <p:cNvPr id="38" name="TextBox 38"/>
+            <p:cNvSpPr txBox="1"/>
+            <p:nvPr/>
+          </p:nvSpPr>
+          <p:spPr>
+            <a:xfrm>
+              <a:off x="0" y="-19050"/>
+              <a:ext cx="2702400" cy="1672650"/>
+            </a:xfrm>
+            <a:prstGeom prst="rect">
+              <a:avLst/>
+            </a:prstGeom>
+          </p:spPr>
+          <p:txBody>
+            <a:bodyPr lIns="0" tIns="0" rIns="0" bIns="0" rtlCol="0" anchor="ctr"/>
+            <a:lstStyle/>
+            <a:p>
+              <a:pPr algn="r">
+                <a:lnSpc>
+                  <a:spcPts val="6240"/>
+                </a:lnSpc>
+              </a:pPr>
+              <a:r>
+                <a:rPr lang="en-US" sz="5200">
+                  <a:solidFill>
+                    <a:srgbClr val="FFFFFF"/>
+                  </a:solidFill>
+                  <a:latin typeface="Arimo"/>
+                  <a:ea typeface="Arimo"/>
+                  <a:cs typeface="Arimo"/>
+                  <a:sym typeface="Arimo"/>
+                </a:rPr>
+                <a:t>(06)</a:t>
+              </a:r>
+            </a:p>
+          </p:txBody>
+        </p:sp>
+      </p:grpSp>
+      <p:grpSp>
+        <p:nvGrpSpPr>
+          <p:cNvPr id="39" name="Group 39"/>
+          <p:cNvGrpSpPr/>
+          <p:nvPr/>
+        </p:nvGrpSpPr>
+        <p:grpSpPr>
+          <a:xfrm>
+            <a:off x="11274446" y="8380976"/>
+            <a:ext cx="5742000" cy="1408261"/>
+            <a:chOff x="0" y="0"/>
+            <a:chExt cx="7656000" cy="1877682"/>
+          </a:xfrm>
+        </p:grpSpPr>
+        <p:sp>
+          <p:nvSpPr>
+            <p:cNvPr id="40" name="Freeform 40"/>
+            <p:cNvSpPr/>
+            <p:nvPr/>
+          </p:nvSpPr>
+          <p:spPr>
+            <a:xfrm>
+              <a:off x="0" y="0"/>
+              <a:ext cx="7656000" cy="1877682"/>
+            </a:xfrm>
+            <a:custGeom>
+              <a:avLst/>
+              <a:gdLst/>
+              <a:ahLst/>
+              <a:cxnLst/>
+              <a:rect l="l" t="t" r="r" b="b"/>
+              <a:pathLst>
+                <a:path w="7656000" h="1877682">
+                  <a:moveTo>
+                    <a:pt x="0" y="0"/>
+                  </a:moveTo>
+                  <a:lnTo>
+                    <a:pt x="7656000" y="0"/>
+                  </a:lnTo>
+                  <a:lnTo>
+                    <a:pt x="7656000" y="1877682"/>
+                  </a:lnTo>
+                  <a:lnTo>
+                    <a:pt x="0" y="1877682"/>
+                  </a:lnTo>
+                  <a:close/>
+                </a:path>
+              </a:pathLst>
+            </a:custGeom>
+            <a:solidFill>
+              <a:srgbClr val="000000">
+                <a:alpha val="0"/>
+              </a:srgbClr>
+            </a:solidFill>
+          </p:spPr>
+          <p:txBody>
+            <a:bodyPr/>
+            <a:lstStyle/>
+            <a:p>
+              <a:endParaRPr lang="en-US"/>
+            </a:p>
+          </p:txBody>
+        </p:sp>
+        <p:sp>
+          <p:nvSpPr>
+            <p:cNvPr id="41" name="TextBox 41"/>
+            <p:cNvSpPr txBox="1"/>
+            <p:nvPr/>
+          </p:nvSpPr>
+          <p:spPr>
+            <a:xfrm>
+              <a:off x="0" y="-19050"/>
+              <a:ext cx="7656000" cy="1896732"/>
+            </a:xfrm>
+            <a:prstGeom prst="rect">
+              <a:avLst/>
+            </a:prstGeom>
+          </p:spPr>
+          <p:txBody>
+            <a:bodyPr lIns="0" tIns="0" rIns="0" bIns="0" rtlCol="0" anchor="ctr"/>
+            <a:lstStyle/>
+            <a:p>
+              <a:pPr algn="l">
+                <a:lnSpc>
+                  <a:spcPts val="4800"/>
+                </a:lnSpc>
+              </a:pPr>
+              <a:r>
+                <a:rPr lang="en-US" sz="4000">
+                  <a:solidFill>
+                    <a:srgbClr val="FFFFFF"/>
+                  </a:solidFill>
+                  <a:latin typeface="Arimo"/>
+                  <a:ea typeface="Arimo"/>
+                  <a:cs typeface="Arimo"/>
+                  <a:sym typeface="Arimo"/>
+                </a:rPr>
+                <a:t>Conclusion &amp; Future Scope</a:t>
+              </a:r>
+            </a:p>
+          </p:txBody>
+        </p:sp>
+      </p:grpSp>
+    </p:spTree>
+  </p:cSld>
+  <p:clrMapOvr>
+    <a:masterClrMapping/>
+  </p:clrMapOvr>
+</p:sld>
+</file>
+
+<file path=ppt/slides/slide20.xml><?xml version="1.0" encoding="utf-8"?>
 <p:sld xmlns:a="http://schemas.openxmlformats.org/drawingml/2006/main" xmlns:r="http://schemas.openxmlformats.org/officeDocument/2006/relationships" xmlns:p="http://schemas.openxmlformats.org/presentationml/2006/main">
   <p:cSld>
     <p:bg>
@@ -13849,7 +15980,7 @@
 </p:sld>
 </file>
 
-<file path=ppt/slides/slide2.xml><?xml version="1.0" encoding="utf-8"?>
+<file path=ppt/slides/slide21.xml><?xml version="1.0" encoding="utf-8"?>
 <p:sld xmlns:a="http://schemas.openxmlformats.org/drawingml/2006/main" xmlns:r="http://schemas.openxmlformats.org/officeDocument/2006/relationships" xmlns:p="http://schemas.openxmlformats.org/presentationml/2006/main">
   <p:cSld>
     <p:bg>
@@ -13862,7 +15993,13 @@
     </p:bg>
     <p:spTree>
       <p:nvGrpSpPr>
-        <p:cNvPr id="1" name=""/>
+        <p:cNvPr id="1" name="">
+          <a:extLst>
+            <a:ext uri="{FF2B5EF4-FFF2-40B4-BE49-F238E27FC236}">
+              <a16:creationId xmlns:a16="http://schemas.microsoft.com/office/drawing/2014/main" id="{48F4AB85-D334-3DB8-929D-A0D4B95436F0}"/>
+            </a:ext>
+          </a:extLst>
+        </p:cNvPr>
         <p:cNvGrpSpPr/>
         <p:nvPr/>
       </p:nvGrpSpPr>
@@ -13876,7 +16013,13 @@
       </p:grpSpPr>
       <p:sp>
         <p:nvSpPr>
-          <p:cNvPr id="2" name="Freeform 2"/>
+          <p:cNvPr id="2" name="Freeform 2">
+            <a:extLst>
+              <a:ext uri="{FF2B5EF4-FFF2-40B4-BE49-F238E27FC236}">
+                <a16:creationId xmlns:a16="http://schemas.microsoft.com/office/drawing/2014/main" id="{D8225096-C0DE-71EC-E390-C9C40EF6D4C2}"/>
+              </a:ext>
+            </a:extLst>
+          </p:cNvPr>
           <p:cNvSpPr/>
           <p:nvPr/>
         </p:nvSpPr>
@@ -13915,7 +16058,7 @@
           <a:blipFill>
             <a:blip r:embed="rId3"/>
             <a:stretch>
-              <a:fillRect r="-80"/>
+              <a:fillRect t="-45188" r="-45305"/>
             </a:stretch>
           </a:blipFill>
         </p:spPr>
@@ -13929,28 +16072,40 @@
       </p:sp>
       <p:grpSp>
         <p:nvGrpSpPr>
-          <p:cNvPr id="3" name="Group 3"/>
+          <p:cNvPr id="3" name="Group 3">
+            <a:extLst>
+              <a:ext uri="{FF2B5EF4-FFF2-40B4-BE49-F238E27FC236}">
+                <a16:creationId xmlns:a16="http://schemas.microsoft.com/office/drawing/2014/main" id="{7F8B7F43-3699-C8F2-DFC6-057FC3A568E0}"/>
+              </a:ext>
+            </a:extLst>
+          </p:cNvPr>
           <p:cNvGrpSpPr/>
           <p:nvPr/>
         </p:nvGrpSpPr>
         <p:grpSpPr>
           <a:xfrm>
-            <a:off x="1426450" y="1079000"/>
-            <a:ext cx="7372800" cy="1240200"/>
+            <a:off x="1426450" y="7170400"/>
+            <a:ext cx="15435600" cy="2037600"/>
             <a:chOff x="0" y="0"/>
-            <a:chExt cx="9830400" cy="1653600"/>
+            <a:chExt cx="20580800" cy="2716800"/>
           </a:xfrm>
         </p:grpSpPr>
         <p:sp>
           <p:nvSpPr>
-            <p:cNvPr id="4" name="Freeform 4"/>
+            <p:cNvPr id="4" name="Freeform 4">
+              <a:extLst>
+                <a:ext uri="{FF2B5EF4-FFF2-40B4-BE49-F238E27FC236}">
+                  <a16:creationId xmlns:a16="http://schemas.microsoft.com/office/drawing/2014/main" id="{2D608FDB-B8A1-0057-A540-E4367F940E79}"/>
+                </a:ext>
+              </a:extLst>
+            </p:cNvPr>
             <p:cNvSpPr/>
             <p:nvPr/>
           </p:nvSpPr>
           <p:spPr>
             <a:xfrm>
               <a:off x="0" y="0"/>
-              <a:ext cx="9830400" cy="1653600"/>
+              <a:ext cx="20580800" cy="2716800"/>
             </a:xfrm>
             <a:custGeom>
               <a:avLst/>
@@ -13959,18 +16114,18 @@
               <a:cxnLst/>
               <a:rect l="l" t="t" r="r" b="b"/>
               <a:pathLst>
-                <a:path w="9830400" h="1653600">
+                <a:path w="20580800" h="2716800">
                   <a:moveTo>
                     <a:pt x="0" y="0"/>
                   </a:moveTo>
                   <a:lnTo>
-                    <a:pt x="9830400" y="0"/>
+                    <a:pt x="20580800" y="0"/>
                   </a:lnTo>
                   <a:lnTo>
-                    <a:pt x="9830400" y="1653600"/>
+                    <a:pt x="20580800" y="2716800"/>
                   </a:lnTo>
                   <a:lnTo>
-                    <a:pt x="0" y="1653600"/>
+                    <a:pt x="0" y="2716800"/>
                   </a:lnTo>
                   <a:close/>
                 </a:path>
@@ -13992,14 +16147,20 @@
         </p:sp>
         <p:sp>
           <p:nvSpPr>
-            <p:cNvPr id="5" name="TextBox 5"/>
+            <p:cNvPr id="5" name="TextBox 5">
+              <a:extLst>
+                <a:ext uri="{FF2B5EF4-FFF2-40B4-BE49-F238E27FC236}">
+                  <a16:creationId xmlns:a16="http://schemas.microsoft.com/office/drawing/2014/main" id="{4F744D53-E617-9391-2385-5819651BDE9E}"/>
+                </a:ext>
+              </a:extLst>
+            </p:cNvPr>
             <p:cNvSpPr txBox="1"/>
             <p:nvPr/>
           </p:nvSpPr>
           <p:spPr>
             <a:xfrm>
-              <a:off x="0" y="-19050"/>
-              <a:ext cx="9830400" cy="1672650"/>
+              <a:off x="0" y="-38100"/>
+              <a:ext cx="20580800" cy="2754900"/>
             </a:xfrm>
             <a:prstGeom prst="rect">
               <a:avLst/>
@@ -14009,13 +16170,13 @@
             <a:bodyPr lIns="0" tIns="0" rIns="0" bIns="0" rtlCol="0" anchor="t"/>
             <a:lstStyle/>
             <a:p>
-              <a:pPr algn="l">
+              <a:pPr algn="r">
                 <a:lnSpc>
-                  <a:spcPts val="6240"/>
+                  <a:spcPts val="9600"/>
                 </a:lnSpc>
               </a:pPr>
               <a:r>
-                <a:rPr lang="en-US" sz="5200">
+                <a:rPr lang="en-US" sz="8000" dirty="0">
                   <a:solidFill>
                     <a:srgbClr val="FFFFFF"/>
                   </a:solidFill>
@@ -14024,52 +16185,48 @@
                   <a:cs typeface="Arimo"/>
                   <a:sym typeface="Arimo"/>
                 </a:rPr>
-                <a:t>Table of contents</a:t>
+                <a:t>Demo</a:t>
               </a:r>
-            </a:p>
-            <a:p>
-              <a:pPr algn="l">
-                <a:lnSpc>
-                  <a:spcPts val="6240"/>
-                </a:lnSpc>
-              </a:pPr>
-              <a:endParaRPr lang="en-US" sz="5200">
-                <a:solidFill>
-                  <a:srgbClr val="FFFFFF"/>
-                </a:solidFill>
-                <a:latin typeface="Arimo"/>
-                <a:ea typeface="Arimo"/>
-                <a:cs typeface="Arimo"/>
-                <a:sym typeface="Arimo"/>
-              </a:endParaRPr>
             </a:p>
           </p:txBody>
         </p:sp>
       </p:grpSp>
       <p:grpSp>
         <p:nvGrpSpPr>
-          <p:cNvPr id="6" name="Group 6"/>
+          <p:cNvPr id="6" name="Group 6">
+            <a:extLst>
+              <a:ext uri="{FF2B5EF4-FFF2-40B4-BE49-F238E27FC236}">
+                <a16:creationId xmlns:a16="http://schemas.microsoft.com/office/drawing/2014/main" id="{A2174B39-3CC3-5531-2331-A26933ED0445}"/>
+              </a:ext>
+            </a:extLst>
+          </p:cNvPr>
           <p:cNvGrpSpPr/>
           <p:nvPr/>
         </p:nvGrpSpPr>
         <p:grpSpPr>
           <a:xfrm>
-            <a:off x="9144000" y="1438262"/>
-            <a:ext cx="2026800" cy="1240200"/>
-            <a:chOff x="0" y="0"/>
-            <a:chExt cx="2702400" cy="1653600"/>
+            <a:off x="1426450" y="970875"/>
+            <a:ext cx="2535000" cy="1654473"/>
+            <a:chOff x="0" y="-38100"/>
+            <a:chExt cx="3380000" cy="2205964"/>
           </a:xfrm>
         </p:grpSpPr>
         <p:sp>
           <p:nvSpPr>
-            <p:cNvPr id="7" name="Freeform 7"/>
+            <p:cNvPr id="7" name="Freeform 7">
+              <a:extLst>
+                <a:ext uri="{FF2B5EF4-FFF2-40B4-BE49-F238E27FC236}">
+                  <a16:creationId xmlns:a16="http://schemas.microsoft.com/office/drawing/2014/main" id="{8EA48032-1BD4-216B-474F-AEDDBA34B8A7}"/>
+                </a:ext>
+              </a:extLst>
+            </p:cNvPr>
             <p:cNvSpPr/>
             <p:nvPr/>
           </p:nvSpPr>
           <p:spPr>
             <a:xfrm>
               <a:off x="0" y="0"/>
-              <a:ext cx="2702400" cy="1653600"/>
+              <a:ext cx="3380000" cy="2167864"/>
             </a:xfrm>
             <a:custGeom>
               <a:avLst/>
@@ -14078,18 +16235,18 @@
               <a:cxnLst/>
               <a:rect l="l" t="t" r="r" b="b"/>
               <a:pathLst>
-                <a:path w="2702400" h="1653600">
+                <a:path w="3380000" h="2167864">
                   <a:moveTo>
                     <a:pt x="0" y="0"/>
                   </a:moveTo>
                   <a:lnTo>
-                    <a:pt x="2702400" y="0"/>
+                    <a:pt x="3380000" y="0"/>
                   </a:lnTo>
                   <a:lnTo>
-                    <a:pt x="2702400" y="1653600"/>
+                    <a:pt x="3380000" y="2167864"/>
                   </a:lnTo>
                   <a:lnTo>
-                    <a:pt x="0" y="1653600"/>
+                    <a:pt x="0" y="2167864"/>
                   </a:lnTo>
                   <a:close/>
                 </a:path>
@@ -14111,68 +16268,83 @@
         </p:sp>
         <p:sp>
           <p:nvSpPr>
-            <p:cNvPr id="8" name="TextBox 8"/>
+            <p:cNvPr id="8" name="TextBox 8">
+              <a:extLst>
+                <a:ext uri="{FF2B5EF4-FFF2-40B4-BE49-F238E27FC236}">
+                  <a16:creationId xmlns:a16="http://schemas.microsoft.com/office/drawing/2014/main" id="{5DDDA912-1303-F943-302D-CD51F4EEC7B2}"/>
+                </a:ext>
+              </a:extLst>
+            </p:cNvPr>
             <p:cNvSpPr txBox="1"/>
             <p:nvPr/>
           </p:nvSpPr>
           <p:spPr>
             <a:xfrm>
-              <a:off x="0" y="-19050"/>
-              <a:ext cx="2702400" cy="1672650"/>
+              <a:off x="0" y="-38100"/>
+              <a:ext cx="3380000" cy="2205964"/>
             </a:xfrm>
             <a:prstGeom prst="rect">
               <a:avLst/>
             </a:prstGeom>
           </p:spPr>
           <p:txBody>
-            <a:bodyPr lIns="0" tIns="0" rIns="0" bIns="0" rtlCol="0" anchor="ctr"/>
+            <a:bodyPr lIns="0" tIns="0" rIns="0" bIns="0" rtlCol="0" anchor="b"/>
             <a:lstStyle/>
             <a:p>
-              <a:pPr algn="r">
+              <a:pPr algn="l">
                 <a:lnSpc>
-                  <a:spcPts val="6240"/>
+                  <a:spcPts val="9600"/>
                 </a:lnSpc>
               </a:pPr>
-              <a:r>
-                <a:rPr lang="en-US" sz="5200">
-                  <a:solidFill>
-                    <a:srgbClr val="FFFFFF"/>
-                  </a:solidFill>
-                  <a:latin typeface="Arimo"/>
-                  <a:ea typeface="Arimo"/>
-                  <a:cs typeface="Arimo"/>
-                  <a:sym typeface="Arimo"/>
-                </a:rPr>
-                <a:t>(01)</a:t>
-              </a:r>
+              <a:endParaRPr lang="en-US" sz="8000" dirty="0">
+                <a:solidFill>
+                  <a:srgbClr val="FFFFFF"/>
+                </a:solidFill>
+                <a:latin typeface="Arimo"/>
+                <a:ea typeface="Arimo"/>
+                <a:cs typeface="Arimo"/>
+                <a:sym typeface="Arimo"/>
+              </a:endParaRPr>
             </a:p>
           </p:txBody>
         </p:sp>
       </p:grpSp>
       <p:grpSp>
         <p:nvGrpSpPr>
-          <p:cNvPr id="9" name="Group 9"/>
+          <p:cNvPr id="9" name="Group 9">
+            <a:extLst>
+              <a:ext uri="{FF2B5EF4-FFF2-40B4-BE49-F238E27FC236}">
+                <a16:creationId xmlns:a16="http://schemas.microsoft.com/office/drawing/2014/main" id="{8CB334BB-B65C-BE97-7A50-59BA5D7F1EB2}"/>
+              </a:ext>
+            </a:extLst>
+          </p:cNvPr>
           <p:cNvGrpSpPr/>
           <p:nvPr/>
         </p:nvGrpSpPr>
         <p:grpSpPr>
           <a:xfrm>
-            <a:off x="9144000" y="4148662"/>
-            <a:ext cx="2026800" cy="1240200"/>
+            <a:off x="1028700" y="9203238"/>
+            <a:ext cx="2248800" cy="784800"/>
             <a:chOff x="0" y="0"/>
-            <a:chExt cx="2702400" cy="1653600"/>
+            <a:chExt cx="2998400" cy="1046400"/>
           </a:xfrm>
         </p:grpSpPr>
         <p:sp>
           <p:nvSpPr>
-            <p:cNvPr id="10" name="Freeform 10"/>
+            <p:cNvPr id="10" name="Freeform 10">
+              <a:extLst>
+                <a:ext uri="{FF2B5EF4-FFF2-40B4-BE49-F238E27FC236}">
+                  <a16:creationId xmlns:a16="http://schemas.microsoft.com/office/drawing/2014/main" id="{1837C3DF-431F-6BE5-C966-C9F42A2B9DA6}"/>
+                </a:ext>
+              </a:extLst>
+            </p:cNvPr>
             <p:cNvSpPr/>
             <p:nvPr/>
           </p:nvSpPr>
           <p:spPr>
             <a:xfrm>
               <a:off x="0" y="0"/>
-              <a:ext cx="2702400" cy="1653600"/>
+              <a:ext cx="2998400" cy="1046400"/>
             </a:xfrm>
             <a:custGeom>
               <a:avLst/>
@@ -14181,18 +16353,18 @@
               <a:cxnLst/>
               <a:rect l="l" t="t" r="r" b="b"/>
               <a:pathLst>
-                <a:path w="2702400" h="1653600">
+                <a:path w="2998400" h="1046400">
                   <a:moveTo>
                     <a:pt x="0" y="0"/>
                   </a:moveTo>
                   <a:lnTo>
-                    <a:pt x="2702400" y="0"/>
+                    <a:pt x="2998400" y="0"/>
                   </a:lnTo>
                   <a:lnTo>
-                    <a:pt x="2702400" y="1653600"/>
+                    <a:pt x="2998400" y="1046400"/>
                   </a:lnTo>
                   <a:lnTo>
-                    <a:pt x="0" y="1653600"/>
+                    <a:pt x="0" y="1046400"/>
                   </a:lnTo>
                   <a:close/>
                 </a:path>
@@ -14214,14 +16386,20 @@
         </p:sp>
         <p:sp>
           <p:nvSpPr>
-            <p:cNvPr id="11" name="TextBox 11"/>
+            <p:cNvPr id="11" name="TextBox 11">
+              <a:extLst>
+                <a:ext uri="{FF2B5EF4-FFF2-40B4-BE49-F238E27FC236}">
+                  <a16:creationId xmlns:a16="http://schemas.microsoft.com/office/drawing/2014/main" id="{10EDDC66-FEE0-61F9-4A23-83F2FF621502}"/>
+                </a:ext>
+              </a:extLst>
+            </p:cNvPr>
             <p:cNvSpPr txBox="1"/>
             <p:nvPr/>
           </p:nvSpPr>
           <p:spPr>
             <a:xfrm>
-              <a:off x="0" y="-19050"/>
-              <a:ext cx="2702400" cy="1672650"/>
+              <a:off x="0" y="-9525"/>
+              <a:ext cx="2998400" cy="1055925"/>
             </a:xfrm>
             <a:prstGeom prst="rect">
               <a:avLst/>
@@ -14231,13 +16409,13 @@
             <a:bodyPr lIns="0" tIns="0" rIns="0" bIns="0" rtlCol="0" anchor="ctr"/>
             <a:lstStyle/>
             <a:p>
-              <a:pPr algn="r">
+              <a:pPr algn="ctr">
                 <a:lnSpc>
-                  <a:spcPts val="6240"/>
+                  <a:spcPts val="2400"/>
                 </a:lnSpc>
               </a:pPr>
               <a:r>
-                <a:rPr lang="en-US" sz="5200">
+                <a:rPr lang="en-US" sz="2000">
                   <a:solidFill>
                     <a:srgbClr val="FFFFFF"/>
                   </a:solidFill>
@@ -14246,1043 +16424,55 @@
                   <a:cs typeface="Arimo"/>
                   <a:sym typeface="Arimo"/>
                 </a:rPr>
-                <a:t>(03)</a:t>
+                <a:t>Athylze</a:t>
               </a:r>
             </a:p>
           </p:txBody>
         </p:sp>
       </p:grpSp>
-      <p:grpSp>
-        <p:nvGrpSpPr>
-          <p:cNvPr id="12" name="Group 12"/>
-          <p:cNvGrpSpPr/>
+      <p:sp>
+        <p:nvSpPr>
+          <p:cNvPr id="12" name="AutoShape 12">
+            <a:extLst>
+              <a:ext uri="{FF2B5EF4-FFF2-40B4-BE49-F238E27FC236}">
+                <a16:creationId xmlns:a16="http://schemas.microsoft.com/office/drawing/2014/main" id="{38A744EC-AF30-E964-8D4F-7552139A415A}"/>
+              </a:ext>
+            </a:extLst>
+          </p:cNvPr>
+          <p:cNvSpPr/>
           <p:nvPr/>
-        </p:nvGrpSpPr>
-        <p:grpSpPr>
-          <a:xfrm>
-            <a:off x="9144000" y="2793462"/>
-            <a:ext cx="2026800" cy="1240200"/>
-            <a:chOff x="0" y="0"/>
-            <a:chExt cx="2702400" cy="1653600"/>
-          </a:xfrm>
-        </p:grpSpPr>
-        <p:sp>
-          <p:nvSpPr>
-            <p:cNvPr id="13" name="Freeform 13"/>
-            <p:cNvSpPr/>
-            <p:nvPr/>
-          </p:nvSpPr>
-          <p:spPr>
-            <a:xfrm>
-              <a:off x="0" y="0"/>
-              <a:ext cx="2702400" cy="1653600"/>
-            </a:xfrm>
-            <a:custGeom>
-              <a:avLst/>
-              <a:gdLst/>
-              <a:ahLst/>
-              <a:cxnLst/>
-              <a:rect l="l" t="t" r="r" b="b"/>
-              <a:pathLst>
-                <a:path w="2702400" h="1653600">
-                  <a:moveTo>
-                    <a:pt x="0" y="0"/>
-                  </a:moveTo>
-                  <a:lnTo>
-                    <a:pt x="2702400" y="0"/>
-                  </a:lnTo>
-                  <a:lnTo>
-                    <a:pt x="2702400" y="1653600"/>
-                  </a:lnTo>
-                  <a:lnTo>
-                    <a:pt x="0" y="1653600"/>
-                  </a:lnTo>
-                  <a:close/>
-                </a:path>
-              </a:pathLst>
-            </a:custGeom>
+        </p:nvSpPr>
+        <p:spPr>
+          <a:xfrm rot="3966">
+            <a:off x="2693944" y="9614716"/>
+            <a:ext cx="16510061" cy="0"/>
+          </a:xfrm>
+          <a:prstGeom prst="line">
+            <a:avLst/>
+          </a:prstGeom>
+          <a:ln w="9525" cap="rnd">
             <a:solidFill>
-              <a:srgbClr val="000000">
-                <a:alpha val="0"/>
-              </a:srgbClr>
+              <a:srgbClr val="FFFFFF"/>
             </a:solidFill>
-          </p:spPr>
-          <p:txBody>
-            <a:bodyPr/>
-            <a:lstStyle/>
-            <a:p>
-              <a:endParaRPr lang="en-US"/>
-            </a:p>
-          </p:txBody>
-        </p:sp>
-        <p:sp>
-          <p:nvSpPr>
-            <p:cNvPr id="14" name="TextBox 14"/>
-            <p:cNvSpPr txBox="1"/>
-            <p:nvPr/>
-          </p:nvSpPr>
-          <p:spPr>
-            <a:xfrm>
-              <a:off x="0" y="-19050"/>
-              <a:ext cx="2702400" cy="1672650"/>
-            </a:xfrm>
-            <a:prstGeom prst="rect">
-              <a:avLst/>
-            </a:prstGeom>
-          </p:spPr>
-          <p:txBody>
-            <a:bodyPr lIns="0" tIns="0" rIns="0" bIns="0" rtlCol="0" anchor="ctr"/>
-            <a:lstStyle/>
-            <a:p>
-              <a:pPr algn="r">
-                <a:lnSpc>
-                  <a:spcPts val="6240"/>
-                </a:lnSpc>
-              </a:pPr>
-              <a:r>
-                <a:rPr lang="en-US" sz="5200">
-                  <a:solidFill>
-                    <a:srgbClr val="FFFFFF"/>
-                  </a:solidFill>
-                  <a:latin typeface="Arimo"/>
-                  <a:ea typeface="Arimo"/>
-                  <a:cs typeface="Arimo"/>
-                  <a:sym typeface="Arimo"/>
-                </a:rPr>
-                <a:t>(02)</a:t>
-              </a:r>
-            </a:p>
-          </p:txBody>
-        </p:sp>
-      </p:grpSp>
-      <p:grpSp>
-        <p:nvGrpSpPr>
-          <p:cNvPr id="15" name="Group 15"/>
-          <p:cNvGrpSpPr/>
-          <p:nvPr/>
-        </p:nvGrpSpPr>
-        <p:grpSpPr>
-          <a:xfrm>
-            <a:off x="9144000" y="5503862"/>
-            <a:ext cx="2026800" cy="1240200"/>
-            <a:chOff x="0" y="0"/>
-            <a:chExt cx="2702400" cy="1653600"/>
-          </a:xfrm>
-        </p:grpSpPr>
-        <p:sp>
-          <p:nvSpPr>
-            <p:cNvPr id="16" name="Freeform 16"/>
-            <p:cNvSpPr/>
-            <p:nvPr/>
-          </p:nvSpPr>
-          <p:spPr>
-            <a:xfrm>
-              <a:off x="0" y="0"/>
-              <a:ext cx="2702400" cy="1653600"/>
-            </a:xfrm>
-            <a:custGeom>
-              <a:avLst/>
-              <a:gdLst/>
-              <a:ahLst/>
-              <a:cxnLst/>
-              <a:rect l="l" t="t" r="r" b="b"/>
-              <a:pathLst>
-                <a:path w="2702400" h="1653600">
-                  <a:moveTo>
-                    <a:pt x="0" y="0"/>
-                  </a:moveTo>
-                  <a:lnTo>
-                    <a:pt x="2702400" y="0"/>
-                  </a:lnTo>
-                  <a:lnTo>
-                    <a:pt x="2702400" y="1653600"/>
-                  </a:lnTo>
-                  <a:lnTo>
-                    <a:pt x="0" y="1653600"/>
-                  </a:lnTo>
-                  <a:close/>
-                </a:path>
-              </a:pathLst>
-            </a:custGeom>
-            <a:solidFill>
-              <a:srgbClr val="000000">
-                <a:alpha val="0"/>
-              </a:srgbClr>
-            </a:solidFill>
-          </p:spPr>
-          <p:txBody>
-            <a:bodyPr/>
-            <a:lstStyle/>
-            <a:p>
-              <a:endParaRPr lang="en-US"/>
-            </a:p>
-          </p:txBody>
-        </p:sp>
-        <p:sp>
-          <p:nvSpPr>
-            <p:cNvPr id="17" name="TextBox 17"/>
-            <p:cNvSpPr txBox="1"/>
-            <p:nvPr/>
-          </p:nvSpPr>
-          <p:spPr>
-            <a:xfrm>
-              <a:off x="0" y="-19050"/>
-              <a:ext cx="2702400" cy="1672650"/>
-            </a:xfrm>
-            <a:prstGeom prst="rect">
-              <a:avLst/>
-            </a:prstGeom>
-          </p:spPr>
-          <p:txBody>
-            <a:bodyPr lIns="0" tIns="0" rIns="0" bIns="0" rtlCol="0" anchor="ctr"/>
-            <a:lstStyle/>
-            <a:p>
-              <a:pPr algn="r">
-                <a:lnSpc>
-                  <a:spcPts val="6240"/>
-                </a:lnSpc>
-              </a:pPr>
-              <a:r>
-                <a:rPr lang="en-US" sz="5200">
-                  <a:solidFill>
-                    <a:srgbClr val="FFFFFF"/>
-                  </a:solidFill>
-                  <a:latin typeface="Arimo"/>
-                  <a:ea typeface="Arimo"/>
-                  <a:cs typeface="Arimo"/>
-                  <a:sym typeface="Arimo"/>
-                </a:rPr>
-                <a:t>(04)</a:t>
-              </a:r>
-            </a:p>
-          </p:txBody>
-        </p:sp>
-      </p:grpSp>
-      <p:grpSp>
-        <p:nvGrpSpPr>
-          <p:cNvPr id="18" name="Group 18"/>
-          <p:cNvGrpSpPr/>
-          <p:nvPr/>
-        </p:nvGrpSpPr>
-        <p:grpSpPr>
-          <a:xfrm>
-            <a:off x="11274446" y="1438288"/>
-            <a:ext cx="5742000" cy="1240200"/>
-            <a:chOff x="0" y="0"/>
-            <a:chExt cx="7656000" cy="1653600"/>
-          </a:xfrm>
-        </p:grpSpPr>
-        <p:sp>
-          <p:nvSpPr>
-            <p:cNvPr id="19" name="Freeform 19"/>
-            <p:cNvSpPr/>
-            <p:nvPr/>
-          </p:nvSpPr>
-          <p:spPr>
-            <a:xfrm>
-              <a:off x="0" y="0"/>
-              <a:ext cx="7656000" cy="1653600"/>
-            </a:xfrm>
-            <a:custGeom>
-              <a:avLst/>
-              <a:gdLst/>
-              <a:ahLst/>
-              <a:cxnLst/>
-              <a:rect l="l" t="t" r="r" b="b"/>
-              <a:pathLst>
-                <a:path w="7656000" h="1653600">
-                  <a:moveTo>
-                    <a:pt x="0" y="0"/>
-                  </a:moveTo>
-                  <a:lnTo>
-                    <a:pt x="7656000" y="0"/>
-                  </a:lnTo>
-                  <a:lnTo>
-                    <a:pt x="7656000" y="1653600"/>
-                  </a:lnTo>
-                  <a:lnTo>
-                    <a:pt x="0" y="1653600"/>
-                  </a:lnTo>
-                  <a:close/>
-                </a:path>
-              </a:pathLst>
-            </a:custGeom>
-            <a:solidFill>
-              <a:srgbClr val="000000">
-                <a:alpha val="0"/>
-              </a:srgbClr>
-            </a:solidFill>
-          </p:spPr>
-          <p:txBody>
-            <a:bodyPr/>
-            <a:lstStyle/>
-            <a:p>
-              <a:endParaRPr lang="en-US"/>
-            </a:p>
-          </p:txBody>
-        </p:sp>
-        <p:sp>
-          <p:nvSpPr>
-            <p:cNvPr id="20" name="TextBox 20"/>
-            <p:cNvSpPr txBox="1"/>
-            <p:nvPr/>
-          </p:nvSpPr>
-          <p:spPr>
-            <a:xfrm>
-              <a:off x="0" y="-19050"/>
-              <a:ext cx="7656000" cy="1672650"/>
-            </a:xfrm>
-            <a:prstGeom prst="rect">
-              <a:avLst/>
-            </a:prstGeom>
-          </p:spPr>
-          <p:txBody>
-            <a:bodyPr lIns="0" tIns="0" rIns="0" bIns="0" rtlCol="0" anchor="ctr"/>
-            <a:lstStyle/>
-            <a:p>
-              <a:pPr algn="l">
-                <a:lnSpc>
-                  <a:spcPts val="4800"/>
-                </a:lnSpc>
-              </a:pPr>
-              <a:r>
-                <a:rPr lang="en-US" sz="4000" dirty="0">
-                  <a:solidFill>
-                    <a:srgbClr val="FFFFFF"/>
-                  </a:solidFill>
-                  <a:latin typeface="Arimo"/>
-                  <a:ea typeface="Arimo"/>
-                  <a:cs typeface="Arimo"/>
-                  <a:sym typeface="Arimo"/>
-                </a:rPr>
-                <a:t>Application Overview</a:t>
-              </a:r>
-            </a:p>
-          </p:txBody>
-        </p:sp>
-      </p:grpSp>
-      <p:grpSp>
-        <p:nvGrpSpPr>
-          <p:cNvPr id="21" name="Group 21"/>
-          <p:cNvGrpSpPr/>
-          <p:nvPr/>
-        </p:nvGrpSpPr>
-        <p:grpSpPr>
-          <a:xfrm>
-            <a:off x="11274446" y="2793488"/>
-            <a:ext cx="5742000" cy="1240200"/>
-            <a:chOff x="0" y="0"/>
-            <a:chExt cx="7656000" cy="1653600"/>
-          </a:xfrm>
-        </p:grpSpPr>
-        <p:sp>
-          <p:nvSpPr>
-            <p:cNvPr id="22" name="Freeform 22"/>
-            <p:cNvSpPr/>
-            <p:nvPr/>
-          </p:nvSpPr>
-          <p:spPr>
-            <a:xfrm>
-              <a:off x="0" y="0"/>
-              <a:ext cx="7656000" cy="1653600"/>
-            </a:xfrm>
-            <a:custGeom>
-              <a:avLst/>
-              <a:gdLst/>
-              <a:ahLst/>
-              <a:cxnLst/>
-              <a:rect l="l" t="t" r="r" b="b"/>
-              <a:pathLst>
-                <a:path w="7656000" h="1653600">
-                  <a:moveTo>
-                    <a:pt x="0" y="0"/>
-                  </a:moveTo>
-                  <a:lnTo>
-                    <a:pt x="7656000" y="0"/>
-                  </a:lnTo>
-                  <a:lnTo>
-                    <a:pt x="7656000" y="1653600"/>
-                  </a:lnTo>
-                  <a:lnTo>
-                    <a:pt x="0" y="1653600"/>
-                  </a:lnTo>
-                  <a:close/>
-                </a:path>
-              </a:pathLst>
-            </a:custGeom>
-            <a:solidFill>
-              <a:srgbClr val="000000">
-                <a:alpha val="0"/>
-              </a:srgbClr>
-            </a:solidFill>
-          </p:spPr>
-          <p:txBody>
-            <a:bodyPr/>
-            <a:lstStyle/>
-            <a:p>
-              <a:endParaRPr lang="en-US"/>
-            </a:p>
-          </p:txBody>
-        </p:sp>
-        <p:sp>
-          <p:nvSpPr>
-            <p:cNvPr id="23" name="TextBox 23"/>
-            <p:cNvSpPr txBox="1"/>
-            <p:nvPr/>
-          </p:nvSpPr>
-          <p:spPr>
-            <a:xfrm>
-              <a:off x="0" y="-19050"/>
-              <a:ext cx="7656000" cy="1672650"/>
-            </a:xfrm>
-            <a:prstGeom prst="rect">
-              <a:avLst/>
-            </a:prstGeom>
-          </p:spPr>
-          <p:txBody>
-            <a:bodyPr lIns="0" tIns="0" rIns="0" bIns="0" rtlCol="0" anchor="ctr"/>
-            <a:lstStyle/>
-            <a:p>
-              <a:pPr algn="l">
-                <a:lnSpc>
-                  <a:spcPts val="4800"/>
-                </a:lnSpc>
-              </a:pPr>
-              <a:r>
-                <a:rPr lang="en-US" sz="4000">
-                  <a:solidFill>
-                    <a:srgbClr val="FFFFFF"/>
-                  </a:solidFill>
-                  <a:latin typeface="Arimo"/>
-                  <a:ea typeface="Arimo"/>
-                  <a:cs typeface="Arimo"/>
-                  <a:sym typeface="Arimo"/>
-                </a:rPr>
-                <a:t>Core Architecture</a:t>
-              </a:r>
-            </a:p>
-          </p:txBody>
-        </p:sp>
-      </p:grpSp>
-      <p:grpSp>
-        <p:nvGrpSpPr>
-          <p:cNvPr id="24" name="Group 24"/>
-          <p:cNvGrpSpPr/>
-          <p:nvPr/>
-        </p:nvGrpSpPr>
-        <p:grpSpPr>
-          <a:xfrm>
-            <a:off x="11274446" y="4148688"/>
-            <a:ext cx="5742000" cy="1240200"/>
-            <a:chOff x="0" y="0"/>
-            <a:chExt cx="7656000" cy="1653600"/>
-          </a:xfrm>
-        </p:grpSpPr>
-        <p:sp>
-          <p:nvSpPr>
-            <p:cNvPr id="25" name="Freeform 25"/>
-            <p:cNvSpPr/>
-            <p:nvPr/>
-          </p:nvSpPr>
-          <p:spPr>
-            <a:xfrm>
-              <a:off x="0" y="0"/>
-              <a:ext cx="7656000" cy="1653600"/>
-            </a:xfrm>
-            <a:custGeom>
-              <a:avLst/>
-              <a:gdLst/>
-              <a:ahLst/>
-              <a:cxnLst/>
-              <a:rect l="l" t="t" r="r" b="b"/>
-              <a:pathLst>
-                <a:path w="7656000" h="1653600">
-                  <a:moveTo>
-                    <a:pt x="0" y="0"/>
-                  </a:moveTo>
-                  <a:lnTo>
-                    <a:pt x="7656000" y="0"/>
-                  </a:lnTo>
-                  <a:lnTo>
-                    <a:pt x="7656000" y="1653600"/>
-                  </a:lnTo>
-                  <a:lnTo>
-                    <a:pt x="0" y="1653600"/>
-                  </a:lnTo>
-                  <a:close/>
-                </a:path>
-              </a:pathLst>
-            </a:custGeom>
-            <a:solidFill>
-              <a:srgbClr val="000000">
-                <a:alpha val="0"/>
-              </a:srgbClr>
-            </a:solidFill>
-          </p:spPr>
-          <p:txBody>
-            <a:bodyPr/>
-            <a:lstStyle/>
-            <a:p>
-              <a:endParaRPr lang="en-US"/>
-            </a:p>
-          </p:txBody>
-        </p:sp>
-        <p:sp>
-          <p:nvSpPr>
-            <p:cNvPr id="26" name="TextBox 26"/>
-            <p:cNvSpPr txBox="1"/>
-            <p:nvPr/>
-          </p:nvSpPr>
-          <p:spPr>
-            <a:xfrm>
-              <a:off x="0" y="-19050"/>
-              <a:ext cx="7656000" cy="1672650"/>
-            </a:xfrm>
-            <a:prstGeom prst="rect">
-              <a:avLst/>
-            </a:prstGeom>
-          </p:spPr>
-          <p:txBody>
-            <a:bodyPr lIns="0" tIns="0" rIns="0" bIns="0" rtlCol="0" anchor="ctr"/>
-            <a:lstStyle/>
-            <a:p>
-              <a:pPr algn="l">
-                <a:lnSpc>
-                  <a:spcPts val="4800"/>
-                </a:lnSpc>
-              </a:pPr>
-              <a:r>
-                <a:rPr lang="en-US" sz="4000">
-                  <a:solidFill>
-                    <a:srgbClr val="FFFFFF"/>
-                  </a:solidFill>
-                  <a:latin typeface="Arimo"/>
-                  <a:ea typeface="Arimo"/>
-                  <a:cs typeface="Arimo"/>
-                  <a:sym typeface="Arimo"/>
-                </a:rPr>
-                <a:t>Data Flow &amp; Chunking</a:t>
-              </a:r>
-            </a:p>
-          </p:txBody>
-        </p:sp>
-      </p:grpSp>
-      <p:grpSp>
-        <p:nvGrpSpPr>
-          <p:cNvPr id="27" name="Group 27"/>
-          <p:cNvGrpSpPr/>
-          <p:nvPr/>
-        </p:nvGrpSpPr>
-        <p:grpSpPr>
-          <a:xfrm>
-            <a:off x="11274446" y="5503888"/>
-            <a:ext cx="5742000" cy="1408261"/>
-            <a:chOff x="0" y="0"/>
-            <a:chExt cx="7656000" cy="1877682"/>
-          </a:xfrm>
-        </p:grpSpPr>
-        <p:sp>
-          <p:nvSpPr>
-            <p:cNvPr id="28" name="Freeform 28"/>
-            <p:cNvSpPr/>
-            <p:nvPr/>
-          </p:nvSpPr>
-          <p:spPr>
-            <a:xfrm>
-              <a:off x="0" y="0"/>
-              <a:ext cx="7656000" cy="1877682"/>
-            </a:xfrm>
-            <a:custGeom>
-              <a:avLst/>
-              <a:gdLst/>
-              <a:ahLst/>
-              <a:cxnLst/>
-              <a:rect l="l" t="t" r="r" b="b"/>
-              <a:pathLst>
-                <a:path w="7656000" h="1877682">
-                  <a:moveTo>
-                    <a:pt x="0" y="0"/>
-                  </a:moveTo>
-                  <a:lnTo>
-                    <a:pt x="7656000" y="0"/>
-                  </a:lnTo>
-                  <a:lnTo>
-                    <a:pt x="7656000" y="1877682"/>
-                  </a:lnTo>
-                  <a:lnTo>
-                    <a:pt x="0" y="1877682"/>
-                  </a:lnTo>
-                  <a:close/>
-                </a:path>
-              </a:pathLst>
-            </a:custGeom>
-            <a:solidFill>
-              <a:srgbClr val="000000">
-                <a:alpha val="0"/>
-              </a:srgbClr>
-            </a:solidFill>
-          </p:spPr>
-          <p:txBody>
-            <a:bodyPr/>
-            <a:lstStyle/>
-            <a:p>
-              <a:endParaRPr lang="en-US"/>
-            </a:p>
-          </p:txBody>
-        </p:sp>
-        <p:sp>
-          <p:nvSpPr>
-            <p:cNvPr id="29" name="TextBox 29"/>
-            <p:cNvSpPr txBox="1"/>
-            <p:nvPr/>
-          </p:nvSpPr>
-          <p:spPr>
-            <a:xfrm>
-              <a:off x="0" y="-19050"/>
-              <a:ext cx="7656000" cy="1896732"/>
-            </a:xfrm>
-            <a:prstGeom prst="rect">
-              <a:avLst/>
-            </a:prstGeom>
-          </p:spPr>
-          <p:txBody>
-            <a:bodyPr lIns="0" tIns="0" rIns="0" bIns="0" rtlCol="0" anchor="ctr"/>
-            <a:lstStyle/>
-            <a:p>
-              <a:pPr algn="l">
-                <a:lnSpc>
-                  <a:spcPts val="4800"/>
-                </a:lnSpc>
-              </a:pPr>
-              <a:r>
-                <a:rPr lang="en-US" sz="4000">
-                  <a:solidFill>
-                    <a:srgbClr val="FFFFFF"/>
-                  </a:solidFill>
-                  <a:latin typeface="Arimo"/>
-                  <a:ea typeface="Arimo"/>
-                  <a:cs typeface="Arimo"/>
-                  <a:sym typeface="Arimo"/>
-                </a:rPr>
-                <a:t>Agentic Prompt Chain &amp; Langflow</a:t>
-              </a:r>
-            </a:p>
-          </p:txBody>
-        </p:sp>
-      </p:grpSp>
-      <p:grpSp>
-        <p:nvGrpSpPr>
-          <p:cNvPr id="30" name="Group 30"/>
-          <p:cNvGrpSpPr/>
-          <p:nvPr/>
-        </p:nvGrpSpPr>
-        <p:grpSpPr>
-          <a:xfrm>
-            <a:off x="9144000" y="7026450"/>
-            <a:ext cx="2026800" cy="1240200"/>
-            <a:chOff x="0" y="0"/>
-            <a:chExt cx="2702400" cy="1653600"/>
-          </a:xfrm>
-        </p:grpSpPr>
-        <p:sp>
-          <p:nvSpPr>
-            <p:cNvPr id="31" name="Freeform 31"/>
-            <p:cNvSpPr/>
-            <p:nvPr/>
-          </p:nvSpPr>
-          <p:spPr>
-            <a:xfrm>
-              <a:off x="0" y="0"/>
-              <a:ext cx="2702400" cy="1653600"/>
-            </a:xfrm>
-            <a:custGeom>
-              <a:avLst/>
-              <a:gdLst/>
-              <a:ahLst/>
-              <a:cxnLst/>
-              <a:rect l="l" t="t" r="r" b="b"/>
-              <a:pathLst>
-                <a:path w="2702400" h="1653600">
-                  <a:moveTo>
-                    <a:pt x="0" y="0"/>
-                  </a:moveTo>
-                  <a:lnTo>
-                    <a:pt x="2702400" y="0"/>
-                  </a:lnTo>
-                  <a:lnTo>
-                    <a:pt x="2702400" y="1653600"/>
-                  </a:lnTo>
-                  <a:lnTo>
-                    <a:pt x="0" y="1653600"/>
-                  </a:lnTo>
-                  <a:close/>
-                </a:path>
-              </a:pathLst>
-            </a:custGeom>
-            <a:solidFill>
-              <a:srgbClr val="000000">
-                <a:alpha val="0"/>
-              </a:srgbClr>
-            </a:solidFill>
-          </p:spPr>
-          <p:txBody>
-            <a:bodyPr/>
-            <a:lstStyle/>
-            <a:p>
-              <a:endParaRPr lang="en-US"/>
-            </a:p>
-          </p:txBody>
-        </p:sp>
-        <p:sp>
-          <p:nvSpPr>
-            <p:cNvPr id="32" name="TextBox 32"/>
-            <p:cNvSpPr txBox="1"/>
-            <p:nvPr/>
-          </p:nvSpPr>
-          <p:spPr>
-            <a:xfrm>
-              <a:off x="0" y="-19050"/>
-              <a:ext cx="2702400" cy="1672650"/>
-            </a:xfrm>
-            <a:prstGeom prst="rect">
-              <a:avLst/>
-            </a:prstGeom>
-          </p:spPr>
-          <p:txBody>
-            <a:bodyPr lIns="0" tIns="0" rIns="0" bIns="0" rtlCol="0" anchor="ctr"/>
-            <a:lstStyle/>
-            <a:p>
-              <a:pPr algn="r">
-                <a:lnSpc>
-                  <a:spcPts val="6240"/>
-                </a:lnSpc>
-              </a:pPr>
-              <a:r>
-                <a:rPr lang="en-US" sz="5200">
-                  <a:solidFill>
-                    <a:srgbClr val="FFFFFF"/>
-                  </a:solidFill>
-                  <a:latin typeface="Arimo"/>
-                  <a:ea typeface="Arimo"/>
-                  <a:cs typeface="Arimo"/>
-                  <a:sym typeface="Arimo"/>
-                </a:rPr>
-                <a:t>(05)</a:t>
-              </a:r>
-            </a:p>
-          </p:txBody>
-        </p:sp>
-      </p:grpSp>
-      <p:grpSp>
-        <p:nvGrpSpPr>
-          <p:cNvPr id="33" name="Group 33"/>
-          <p:cNvGrpSpPr/>
-          <p:nvPr/>
-        </p:nvGrpSpPr>
-        <p:grpSpPr>
-          <a:xfrm>
-            <a:off x="11274446" y="7026476"/>
-            <a:ext cx="5742000" cy="1408261"/>
-            <a:chOff x="0" y="0"/>
-            <a:chExt cx="7656000" cy="1877682"/>
-          </a:xfrm>
-        </p:grpSpPr>
-        <p:sp>
-          <p:nvSpPr>
-            <p:cNvPr id="34" name="Freeform 34"/>
-            <p:cNvSpPr/>
-            <p:nvPr/>
-          </p:nvSpPr>
-          <p:spPr>
-            <a:xfrm>
-              <a:off x="0" y="0"/>
-              <a:ext cx="7656000" cy="1877682"/>
-            </a:xfrm>
-            <a:custGeom>
-              <a:avLst/>
-              <a:gdLst/>
-              <a:ahLst/>
-              <a:cxnLst/>
-              <a:rect l="l" t="t" r="r" b="b"/>
-              <a:pathLst>
-                <a:path w="7656000" h="1877682">
-                  <a:moveTo>
-                    <a:pt x="0" y="0"/>
-                  </a:moveTo>
-                  <a:lnTo>
-                    <a:pt x="7656000" y="0"/>
-                  </a:lnTo>
-                  <a:lnTo>
-                    <a:pt x="7656000" y="1877682"/>
-                  </a:lnTo>
-                  <a:lnTo>
-                    <a:pt x="0" y="1877682"/>
-                  </a:lnTo>
-                  <a:close/>
-                </a:path>
-              </a:pathLst>
-            </a:custGeom>
-            <a:solidFill>
-              <a:srgbClr val="000000">
-                <a:alpha val="0"/>
-              </a:srgbClr>
-            </a:solidFill>
-          </p:spPr>
-          <p:txBody>
-            <a:bodyPr/>
-            <a:lstStyle/>
-            <a:p>
-              <a:endParaRPr lang="en-US"/>
-            </a:p>
-          </p:txBody>
-        </p:sp>
-        <p:sp>
-          <p:nvSpPr>
-            <p:cNvPr id="35" name="TextBox 35"/>
-            <p:cNvSpPr txBox="1"/>
-            <p:nvPr/>
-          </p:nvSpPr>
-          <p:spPr>
-            <a:xfrm>
-              <a:off x="0" y="-19050"/>
-              <a:ext cx="7656000" cy="1896732"/>
-            </a:xfrm>
-            <a:prstGeom prst="rect">
-              <a:avLst/>
-            </a:prstGeom>
-          </p:spPr>
-          <p:txBody>
-            <a:bodyPr lIns="0" tIns="0" rIns="0" bIns="0" rtlCol="0" anchor="ctr"/>
-            <a:lstStyle/>
-            <a:p>
-              <a:pPr algn="l">
-                <a:lnSpc>
-                  <a:spcPts val="4800"/>
-                </a:lnSpc>
-              </a:pPr>
-              <a:r>
-                <a:rPr lang="en-US" sz="4000">
-                  <a:solidFill>
-                    <a:srgbClr val="FFFFFF"/>
-                  </a:solidFill>
-                  <a:latin typeface="Arimo"/>
-                  <a:ea typeface="Arimo"/>
-                  <a:cs typeface="Arimo"/>
-                  <a:sym typeface="Arimo"/>
-                </a:rPr>
-                <a:t>Performance &amp; Evaluation</a:t>
-              </a:r>
-            </a:p>
-          </p:txBody>
-        </p:sp>
-      </p:grpSp>
-      <p:grpSp>
-        <p:nvGrpSpPr>
-          <p:cNvPr id="36" name="Group 36"/>
-          <p:cNvGrpSpPr/>
-          <p:nvPr/>
-        </p:nvGrpSpPr>
-        <p:grpSpPr>
-          <a:xfrm>
-            <a:off x="9144000" y="8380950"/>
-            <a:ext cx="2026800" cy="1240200"/>
-            <a:chOff x="0" y="0"/>
-            <a:chExt cx="2702400" cy="1653600"/>
-          </a:xfrm>
-        </p:grpSpPr>
-        <p:sp>
-          <p:nvSpPr>
-            <p:cNvPr id="37" name="Freeform 37"/>
-            <p:cNvSpPr/>
-            <p:nvPr/>
-          </p:nvSpPr>
-          <p:spPr>
-            <a:xfrm>
-              <a:off x="0" y="0"/>
-              <a:ext cx="2702400" cy="1653600"/>
-            </a:xfrm>
-            <a:custGeom>
-              <a:avLst/>
-              <a:gdLst/>
-              <a:ahLst/>
-              <a:cxnLst/>
-              <a:rect l="l" t="t" r="r" b="b"/>
-              <a:pathLst>
-                <a:path w="2702400" h="1653600">
-                  <a:moveTo>
-                    <a:pt x="0" y="0"/>
-                  </a:moveTo>
-                  <a:lnTo>
-                    <a:pt x="2702400" y="0"/>
-                  </a:lnTo>
-                  <a:lnTo>
-                    <a:pt x="2702400" y="1653600"/>
-                  </a:lnTo>
-                  <a:lnTo>
-                    <a:pt x="0" y="1653600"/>
-                  </a:lnTo>
-                  <a:close/>
-                </a:path>
-              </a:pathLst>
-            </a:custGeom>
-            <a:solidFill>
-              <a:srgbClr val="000000">
-                <a:alpha val="0"/>
-              </a:srgbClr>
-            </a:solidFill>
-          </p:spPr>
-          <p:txBody>
-            <a:bodyPr/>
-            <a:lstStyle/>
-            <a:p>
-              <a:endParaRPr lang="en-US"/>
-            </a:p>
-          </p:txBody>
-        </p:sp>
-        <p:sp>
-          <p:nvSpPr>
-            <p:cNvPr id="38" name="TextBox 38"/>
-            <p:cNvSpPr txBox="1"/>
-            <p:nvPr/>
-          </p:nvSpPr>
-          <p:spPr>
-            <a:xfrm>
-              <a:off x="0" y="-19050"/>
-              <a:ext cx="2702400" cy="1672650"/>
-            </a:xfrm>
-            <a:prstGeom prst="rect">
-              <a:avLst/>
-            </a:prstGeom>
-          </p:spPr>
-          <p:txBody>
-            <a:bodyPr lIns="0" tIns="0" rIns="0" bIns="0" rtlCol="0" anchor="ctr"/>
-            <a:lstStyle/>
-            <a:p>
-              <a:pPr algn="r">
-                <a:lnSpc>
-                  <a:spcPts val="6240"/>
-                </a:lnSpc>
-              </a:pPr>
-              <a:r>
-                <a:rPr lang="en-US" sz="5200">
-                  <a:solidFill>
-                    <a:srgbClr val="FFFFFF"/>
-                  </a:solidFill>
-                  <a:latin typeface="Arimo"/>
-                  <a:ea typeface="Arimo"/>
-                  <a:cs typeface="Arimo"/>
-                  <a:sym typeface="Arimo"/>
-                </a:rPr>
-                <a:t>(06)</a:t>
-              </a:r>
-            </a:p>
-          </p:txBody>
-        </p:sp>
-      </p:grpSp>
-      <p:grpSp>
-        <p:nvGrpSpPr>
-          <p:cNvPr id="39" name="Group 39"/>
-          <p:cNvGrpSpPr/>
-          <p:nvPr/>
-        </p:nvGrpSpPr>
-        <p:grpSpPr>
-          <a:xfrm>
-            <a:off x="11274446" y="8380976"/>
-            <a:ext cx="5742000" cy="1408261"/>
-            <a:chOff x="0" y="0"/>
-            <a:chExt cx="7656000" cy="1877682"/>
-          </a:xfrm>
-        </p:grpSpPr>
-        <p:sp>
-          <p:nvSpPr>
-            <p:cNvPr id="40" name="Freeform 40"/>
-            <p:cNvSpPr/>
-            <p:nvPr/>
-          </p:nvSpPr>
-          <p:spPr>
-            <a:xfrm>
-              <a:off x="0" y="0"/>
-              <a:ext cx="7656000" cy="1877682"/>
-            </a:xfrm>
-            <a:custGeom>
-              <a:avLst/>
-              <a:gdLst/>
-              <a:ahLst/>
-              <a:cxnLst/>
-              <a:rect l="l" t="t" r="r" b="b"/>
-              <a:pathLst>
-                <a:path w="7656000" h="1877682">
-                  <a:moveTo>
-                    <a:pt x="0" y="0"/>
-                  </a:moveTo>
-                  <a:lnTo>
-                    <a:pt x="7656000" y="0"/>
-                  </a:lnTo>
-                  <a:lnTo>
-                    <a:pt x="7656000" y="1877682"/>
-                  </a:lnTo>
-                  <a:lnTo>
-                    <a:pt x="0" y="1877682"/>
-                  </a:lnTo>
-                  <a:close/>
-                </a:path>
-              </a:pathLst>
-            </a:custGeom>
-            <a:solidFill>
-              <a:srgbClr val="000000">
-                <a:alpha val="0"/>
-              </a:srgbClr>
-            </a:solidFill>
-          </p:spPr>
-          <p:txBody>
-            <a:bodyPr/>
-            <a:lstStyle/>
-            <a:p>
-              <a:endParaRPr lang="en-US"/>
-            </a:p>
-          </p:txBody>
-        </p:sp>
-        <p:sp>
-          <p:nvSpPr>
-            <p:cNvPr id="41" name="TextBox 41"/>
-            <p:cNvSpPr txBox="1"/>
-            <p:nvPr/>
-          </p:nvSpPr>
-          <p:spPr>
-            <a:xfrm>
-              <a:off x="0" y="-19050"/>
-              <a:ext cx="7656000" cy="1896732"/>
-            </a:xfrm>
-            <a:prstGeom prst="rect">
-              <a:avLst/>
-            </a:prstGeom>
-          </p:spPr>
-          <p:txBody>
-            <a:bodyPr lIns="0" tIns="0" rIns="0" bIns="0" rtlCol="0" anchor="ctr"/>
-            <a:lstStyle/>
-            <a:p>
-              <a:pPr algn="l">
-                <a:lnSpc>
-                  <a:spcPts val="4800"/>
-                </a:lnSpc>
-              </a:pPr>
-              <a:r>
-                <a:rPr lang="en-US" sz="4000">
-                  <a:solidFill>
-                    <a:srgbClr val="FFFFFF"/>
-                  </a:solidFill>
-                  <a:latin typeface="Arimo"/>
-                  <a:ea typeface="Arimo"/>
-                  <a:cs typeface="Arimo"/>
-                  <a:sym typeface="Arimo"/>
-                </a:rPr>
-                <a:t>Conclusion &amp; Future Scope</a:t>
-              </a:r>
-            </a:p>
-          </p:txBody>
-        </p:sp>
-      </p:grpSp>
+            <a:prstDash val="solid"/>
+            <a:headEnd type="none" w="sm" len="sm"/>
+            <a:tailEnd type="none" w="sm" len="sm"/>
+          </a:ln>
+        </p:spPr>
+        <p:txBody>
+          <a:bodyPr/>
+          <a:lstStyle/>
+          <a:p>
+            <a:endParaRPr lang="en-US"/>
+          </a:p>
+        </p:txBody>
+      </p:sp>
     </p:spTree>
+    <p:extLst>
+      <p:ext uri="{BB962C8B-B14F-4D97-AF65-F5344CB8AC3E}">
+        <p14:creationId xmlns:p14="http://schemas.microsoft.com/office/powerpoint/2010/main" val="746316556"/>
+      </p:ext>
+    </p:extLst>
   </p:cSld>
   <p:clrMapOvr>
     <a:masterClrMapping/>
@@ -15290,7 +16480,7 @@
 </p:sld>
 </file>
 
-<file path=ppt/slides/slide20.xml><?xml version="1.0" encoding="utf-8"?>
+<file path=ppt/slides/slide22.xml><?xml version="1.0" encoding="utf-8"?>
 <p:sld xmlns:a="http://schemas.openxmlformats.org/drawingml/2006/main" xmlns:r="http://schemas.openxmlformats.org/officeDocument/2006/relationships" xmlns:p="http://schemas.openxmlformats.org/presentationml/2006/main">
   <p:cSld>
     <p:bg>
@@ -16072,8 +17262,8 @@
         </p:nvSpPr>
         <p:spPr>
           <a:xfrm>
-            <a:off x="-19050" y="342900"/>
-            <a:ext cx="18307050" cy="10306050"/>
+            <a:off x="-152400" y="-180975"/>
+            <a:ext cx="18459450" cy="10648950"/>
           </a:xfrm>
           <a:custGeom>
             <a:avLst/>
@@ -17373,6 +18563,1156 @@
     <p:bg>
       <p:bgPr>
         <a:solidFill>
+          <a:schemeClr val="bg1"/>
+        </a:solidFill>
+        <a:effectLst/>
+      </p:bgPr>
+    </p:bg>
+    <p:spTree>
+      <p:nvGrpSpPr>
+        <p:cNvPr id="1" name=""/>
+        <p:cNvGrpSpPr/>
+        <p:nvPr/>
+      </p:nvGrpSpPr>
+      <p:grpSpPr>
+        <a:xfrm>
+          <a:off x="0" y="0"/>
+          <a:ext cx="0" cy="0"/>
+          <a:chOff x="0" y="0"/>
+          <a:chExt cx="0" cy="0"/>
+        </a:xfrm>
+      </p:grpSpPr>
+      <p:sp>
+        <p:nvSpPr>
+          <p:cNvPr id="7" name="Rectangle 6">
+            <a:extLst>
+              <a:ext uri="{FF2B5EF4-FFF2-40B4-BE49-F238E27FC236}">
+                <a16:creationId xmlns:a16="http://schemas.microsoft.com/office/drawing/2014/main" id="{14995E8B-DB3C-4E23-9186-1613402BFDCF}"/>
+              </a:ext>
+              <a:ext uri="{C183D7F6-B498-43B3-948B-1728B52AA6E4}">
+                <adec:decorative xmlns:adec="http://schemas.microsoft.com/office/drawing/2017/decorative" val="1"/>
+              </a:ext>
+            </a:extLst>
+          </p:cNvPr>
+          <p:cNvSpPr>
+            <a:spLocks noGrp="1" noRot="1" noChangeAspect="1" noMove="1" noResize="1" noEditPoints="1" noAdjustHandles="1" noChangeArrowheads="1" noChangeShapeType="1" noTextEdit="1"/>
+          </p:cNvSpPr>
+          <p:nvPr>
+            <p:extLst>
+              <p:ext uri="{386F3935-93C4-4BCD-93E2-E3B085C9AB24}">
+                <p16:designElem xmlns:p16="http://schemas.microsoft.com/office/powerpoint/2015/main" val="1"/>
+              </p:ext>
+            </p:extLst>
+          </p:nvPr>
+        </p:nvSpPr>
+        <p:spPr>
+          <a:xfrm>
+            <a:off x="4572" y="0"/>
+            <a:ext cx="18283428" cy="10287000"/>
+          </a:xfrm>
+          <a:prstGeom prst="rect">
+            <a:avLst/>
+          </a:prstGeom>
+          <a:solidFill>
+            <a:schemeClr val="tx2"/>
+          </a:solidFill>
+          <a:ln>
+            <a:noFill/>
+          </a:ln>
+        </p:spPr>
+        <p:style>
+          <a:lnRef idx="2">
+            <a:schemeClr val="accent1">
+              <a:shade val="50000"/>
+            </a:schemeClr>
+          </a:lnRef>
+          <a:fillRef idx="1">
+            <a:schemeClr val="accent1"/>
+          </a:fillRef>
+          <a:effectRef idx="0">
+            <a:schemeClr val="accent1"/>
+          </a:effectRef>
+          <a:fontRef idx="minor">
+            <a:schemeClr val="lt1"/>
+          </a:fontRef>
+        </p:style>
+        <p:txBody>
+          <a:bodyPr rtlCol="0" anchor="ctr"/>
+          <a:lstStyle/>
+          <a:p>
+            <a:pPr algn="ctr"/>
+            <a:endParaRPr lang="en-US"/>
+          </a:p>
+        </p:txBody>
+      </p:sp>
+      <p:sp>
+        <p:nvSpPr>
+          <p:cNvPr id="9" name="Rectangle 8">
+            <a:extLst>
+              <a:ext uri="{FF2B5EF4-FFF2-40B4-BE49-F238E27FC236}">
+                <a16:creationId xmlns:a16="http://schemas.microsoft.com/office/drawing/2014/main" id="{CF21E7C5-2080-4549-97AA-9A6688257789}"/>
+              </a:ext>
+              <a:ext uri="{C183D7F6-B498-43B3-948B-1728B52AA6E4}">
+                <adec:decorative xmlns:adec="http://schemas.microsoft.com/office/drawing/2017/decorative" val="1"/>
+              </a:ext>
+            </a:extLst>
+          </p:cNvPr>
+          <p:cNvSpPr>
+            <a:spLocks noGrp="1" noRot="1" noChangeAspect="1" noMove="1" noResize="1" noEditPoints="1" noAdjustHandles="1" noChangeArrowheads="1" noChangeShapeType="1" noTextEdit="1"/>
+          </p:cNvSpPr>
+          <p:nvPr>
+            <p:extLst>
+              <p:ext uri="{386F3935-93C4-4BCD-93E2-E3B085C9AB24}">
+                <p16:designElem xmlns:p16="http://schemas.microsoft.com/office/powerpoint/2015/main" val="1"/>
+              </p:ext>
+            </p:extLst>
+          </p:nvPr>
+        </p:nvSpPr>
+        <p:spPr>
+          <a:xfrm>
+            <a:off x="0" y="0"/>
+            <a:ext cx="18283428" cy="10287000"/>
+          </a:xfrm>
+          <a:prstGeom prst="rect">
+            <a:avLst/>
+          </a:prstGeom>
+          <a:solidFill>
+            <a:schemeClr val="tx1">
+              <a:alpha val="53000"/>
+            </a:schemeClr>
+          </a:solidFill>
+          <a:ln>
+            <a:noFill/>
+          </a:ln>
+        </p:spPr>
+        <p:style>
+          <a:lnRef idx="2">
+            <a:schemeClr val="accent1">
+              <a:shade val="50000"/>
+            </a:schemeClr>
+          </a:lnRef>
+          <a:fillRef idx="1">
+            <a:schemeClr val="accent1"/>
+          </a:fillRef>
+          <a:effectRef idx="0">
+            <a:schemeClr val="accent1"/>
+          </a:effectRef>
+          <a:fontRef idx="minor">
+            <a:schemeClr val="lt1"/>
+          </a:fontRef>
+        </p:style>
+        <p:txBody>
+          <a:bodyPr rtlCol="0" anchor="ctr"/>
+          <a:lstStyle/>
+          <a:p>
+            <a:pPr algn="ctr"/>
+            <a:endParaRPr lang="en-US"/>
+          </a:p>
+        </p:txBody>
+      </p:sp>
+      <p:sp>
+        <p:nvSpPr>
+          <p:cNvPr id="11" name="Rectangle 10">
+            <a:extLst>
+              <a:ext uri="{FF2B5EF4-FFF2-40B4-BE49-F238E27FC236}">
+                <a16:creationId xmlns:a16="http://schemas.microsoft.com/office/drawing/2014/main" id="{57957B04-C024-4B5F-B7C3-20FAE3F1D3CA}"/>
+              </a:ext>
+              <a:ext uri="{C183D7F6-B498-43B3-948B-1728B52AA6E4}">
+                <adec:decorative xmlns:adec="http://schemas.microsoft.com/office/drawing/2017/decorative" val="1"/>
+              </a:ext>
+            </a:extLst>
+          </p:cNvPr>
+          <p:cNvSpPr>
+            <a:spLocks noGrp="1" noRot="1" noChangeAspect="1" noMove="1" noResize="1" noEditPoints="1" noAdjustHandles="1" noChangeArrowheads="1" noChangeShapeType="1" noTextEdit="1"/>
+          </p:cNvSpPr>
+          <p:nvPr>
+            <p:extLst>
+              <p:ext uri="{386F3935-93C4-4BCD-93E2-E3B085C9AB24}">
+                <p16:designElem xmlns:p16="http://schemas.microsoft.com/office/powerpoint/2015/main" val="1"/>
+              </p:ext>
+            </p:extLst>
+          </p:nvPr>
+        </p:nvSpPr>
+        <p:spPr>
+          <a:xfrm rot="16200000">
+            <a:off x="15657219" y="1563908"/>
+            <a:ext cx="4194692" cy="1066878"/>
+          </a:xfrm>
+          <a:prstGeom prst="rect">
+            <a:avLst/>
+          </a:prstGeom>
+          <a:gradFill flip="none" rotWithShape="1">
+            <a:gsLst>
+              <a:gs pos="0">
+                <a:schemeClr val="tx2">
+                  <a:lumMod val="40000"/>
+                  <a:lumOff val="60000"/>
+                  <a:alpha val="0"/>
+                </a:schemeClr>
+              </a:gs>
+              <a:gs pos="100000">
+                <a:schemeClr val="tx2">
+                  <a:lumMod val="75000"/>
+                  <a:alpha val="10000"/>
+                </a:schemeClr>
+              </a:gs>
+            </a:gsLst>
+            <a:lin ang="8400000" scaled="0"/>
+            <a:tileRect/>
+          </a:gradFill>
+          <a:ln>
+            <a:noFill/>
+          </a:ln>
+        </p:spPr>
+        <p:style>
+          <a:lnRef idx="2">
+            <a:schemeClr val="accent1">
+              <a:shade val="50000"/>
+            </a:schemeClr>
+          </a:lnRef>
+          <a:fillRef idx="1">
+            <a:schemeClr val="accent1"/>
+          </a:fillRef>
+          <a:effectRef idx="0">
+            <a:schemeClr val="accent1"/>
+          </a:effectRef>
+          <a:fontRef idx="minor">
+            <a:schemeClr val="lt1"/>
+          </a:fontRef>
+        </p:style>
+        <p:txBody>
+          <a:bodyPr rtlCol="0" anchor="ctr"/>
+          <a:lstStyle/>
+          <a:p>
+            <a:pPr algn="ctr"/>
+            <a:endParaRPr lang="en-US"/>
+          </a:p>
+        </p:txBody>
+      </p:sp>
+      <p:sp>
+        <p:nvSpPr>
+          <p:cNvPr id="13" name="Rectangle 12">
+            <a:extLst>
+              <a:ext uri="{FF2B5EF4-FFF2-40B4-BE49-F238E27FC236}">
+                <a16:creationId xmlns:a16="http://schemas.microsoft.com/office/drawing/2014/main" id="{C6FBFCE4-B693-49EB-9CE1-4420332195E7}"/>
+              </a:ext>
+              <a:ext uri="{C183D7F6-B498-43B3-948B-1728B52AA6E4}">
+                <adec:decorative xmlns:adec="http://schemas.microsoft.com/office/drawing/2017/decorative" val="1"/>
+              </a:ext>
+            </a:extLst>
+          </p:cNvPr>
+          <p:cNvSpPr>
+            <a:spLocks noGrp="1" noRot="1" noChangeAspect="1" noMove="1" noResize="1" noEditPoints="1" noAdjustHandles="1" noChangeArrowheads="1" noChangeShapeType="1" noTextEdit="1"/>
+          </p:cNvSpPr>
+          <p:nvPr>
+            <p:extLst>
+              <p:ext uri="{386F3935-93C4-4BCD-93E2-E3B085C9AB24}">
+                <p16:designElem xmlns:p16="http://schemas.microsoft.com/office/powerpoint/2015/main" val="1"/>
+              </p:ext>
+            </p:extLst>
+          </p:nvPr>
+        </p:nvSpPr>
+        <p:spPr>
+          <a:xfrm rot="10800000">
+            <a:off x="-1" y="9211177"/>
+            <a:ext cx="9143995" cy="1066878"/>
+          </a:xfrm>
+          <a:prstGeom prst="rect">
+            <a:avLst/>
+          </a:prstGeom>
+          <a:gradFill flip="none" rotWithShape="1">
+            <a:gsLst>
+              <a:gs pos="10000">
+                <a:schemeClr val="tx2">
+                  <a:lumMod val="50000"/>
+                  <a:alpha val="10000"/>
+                </a:schemeClr>
+              </a:gs>
+              <a:gs pos="100000">
+                <a:schemeClr val="tx2">
+                  <a:lumMod val="60000"/>
+                  <a:lumOff val="40000"/>
+                  <a:alpha val="0"/>
+                </a:schemeClr>
+              </a:gs>
+            </a:gsLst>
+            <a:lin ang="8400000" scaled="0"/>
+            <a:tileRect/>
+          </a:gradFill>
+          <a:ln>
+            <a:noFill/>
+          </a:ln>
+        </p:spPr>
+        <p:style>
+          <a:lnRef idx="2">
+            <a:schemeClr val="accent1">
+              <a:shade val="50000"/>
+            </a:schemeClr>
+          </a:lnRef>
+          <a:fillRef idx="1">
+            <a:schemeClr val="accent1"/>
+          </a:fillRef>
+          <a:effectRef idx="0">
+            <a:schemeClr val="accent1"/>
+          </a:effectRef>
+          <a:fontRef idx="minor">
+            <a:schemeClr val="lt1"/>
+          </a:fontRef>
+        </p:style>
+        <p:txBody>
+          <a:bodyPr rtlCol="0" anchor="ctr"/>
+          <a:lstStyle/>
+          <a:p>
+            <a:pPr algn="ctr"/>
+            <a:endParaRPr lang="en-US"/>
+          </a:p>
+        </p:txBody>
+      </p:sp>
+      <p:grpSp>
+        <p:nvGrpSpPr>
+          <p:cNvPr id="15" name="Group 14">
+            <a:extLst>
+              <a:ext uri="{FF2B5EF4-FFF2-40B4-BE49-F238E27FC236}">
+                <a16:creationId xmlns:a16="http://schemas.microsoft.com/office/drawing/2014/main" id="{8FFC4225-9683-4D55-8686-FCDDB8BCBF38}"/>
+              </a:ext>
+              <a:ext uri="{C183D7F6-B498-43B3-948B-1728B52AA6E4}">
+                <adec:decorative xmlns:adec="http://schemas.microsoft.com/office/drawing/2017/decorative" val="1"/>
+              </a:ext>
+            </a:extLst>
+          </p:cNvPr>
+          <p:cNvGrpSpPr>
+            <a:grpSpLocks noGrp="1" noUngrp="1" noRot="1" noChangeAspect="1" noMove="1" noResize="1"/>
+          </p:cNvGrpSpPr>
+          <p:nvPr>
+            <p:extLst>
+              <p:ext uri="{386F3935-93C4-4BCD-93E2-E3B085C9AB24}">
+                <p16:designElem xmlns:p16="http://schemas.microsoft.com/office/powerpoint/2015/main" val="1"/>
+              </p:ext>
+            </p:extLst>
+          </p:nvPr>
+        </p:nvGrpSpPr>
+        <p:grpSpPr>
+          <a:xfrm rot="5400000">
+            <a:off x="2819134" y="9048092"/>
+            <a:ext cx="1928813" cy="549007"/>
+            <a:chOff x="7029447" y="3514725"/>
+            <a:chExt cx="1285875" cy="549007"/>
+          </a:xfrm>
+        </p:grpSpPr>
+        <p:cxnSp>
+          <p:nvCxnSpPr>
+            <p:cNvPr id="16" name="Straight Connector 15">
+              <a:extLst>
+                <a:ext uri="{FF2B5EF4-FFF2-40B4-BE49-F238E27FC236}">
+                  <a16:creationId xmlns:a16="http://schemas.microsoft.com/office/drawing/2014/main" id="{23CC42CD-CAE0-4CF0-B118-067FD44AE1EA}"/>
+                </a:ext>
+                <a:ext uri="{C183D7F6-B498-43B3-948B-1728B52AA6E4}">
+                  <adec:decorative xmlns:adec="http://schemas.microsoft.com/office/drawing/2017/decorative" val="1"/>
+                </a:ext>
+              </a:extLst>
+            </p:cNvPr>
+            <p:cNvCxnSpPr>
+              <a:cxnSpLocks/>
+            </p:cNvCxnSpPr>
+            <p:nvPr>
+              <p:extLst>
+                <p:ext uri="{386F3935-93C4-4BCD-93E2-E3B085C9AB24}">
+                  <p16:designElem xmlns:p16="http://schemas.microsoft.com/office/powerpoint/2015/main" val="1"/>
+                </p:ext>
+              </p:extLst>
+            </p:nvPr>
+          </p:nvCxnSpPr>
+          <p:spPr>
+            <a:xfrm>
+              <a:off x="7029447" y="3514725"/>
+              <a:ext cx="1285875" cy="0"/>
+            </a:xfrm>
+            <a:prstGeom prst="line">
+              <a:avLst/>
+            </a:prstGeom>
+            <a:ln w="31750" cap="rnd" cmpd="sng">
+              <a:gradFill>
+                <a:gsLst>
+                  <a:gs pos="0">
+                    <a:schemeClr val="tx2">
+                      <a:lumMod val="60000"/>
+                      <a:lumOff val="40000"/>
+                      <a:alpha val="40000"/>
+                    </a:schemeClr>
+                  </a:gs>
+                  <a:gs pos="100000">
+                    <a:schemeClr val="tx2">
+                      <a:lumMod val="50000"/>
+                      <a:alpha val="40000"/>
+                    </a:schemeClr>
+                  </a:gs>
+                </a:gsLst>
+                <a:lin ang="5400000" scaled="1"/>
+              </a:gradFill>
+              <a:prstDash val="sysDot"/>
+              <a:round/>
+            </a:ln>
+          </p:spPr>
+          <p:style>
+            <a:lnRef idx="1">
+              <a:schemeClr val="accent1"/>
+            </a:lnRef>
+            <a:fillRef idx="0">
+              <a:schemeClr val="accent1"/>
+            </a:fillRef>
+            <a:effectRef idx="0">
+              <a:schemeClr val="accent1"/>
+            </a:effectRef>
+            <a:fontRef idx="minor">
+              <a:schemeClr val="tx1"/>
+            </a:fontRef>
+          </p:style>
+        </p:cxnSp>
+        <p:cxnSp>
+          <p:nvCxnSpPr>
+            <p:cNvPr id="17" name="Straight Connector 16">
+              <a:extLst>
+                <a:ext uri="{FF2B5EF4-FFF2-40B4-BE49-F238E27FC236}">
+                  <a16:creationId xmlns:a16="http://schemas.microsoft.com/office/drawing/2014/main" id="{C53ED46F-B155-4F61-89A2-9811AA0F3B4E}"/>
+                </a:ext>
+                <a:ext uri="{C183D7F6-B498-43B3-948B-1728B52AA6E4}">
+                  <adec:decorative xmlns:adec="http://schemas.microsoft.com/office/drawing/2017/decorative" val="1"/>
+                </a:ext>
+              </a:extLst>
+            </p:cNvPr>
+            <p:cNvCxnSpPr>
+              <a:cxnSpLocks/>
+            </p:cNvCxnSpPr>
+            <p:nvPr>
+              <p:extLst>
+                <p:ext uri="{386F3935-93C4-4BCD-93E2-E3B085C9AB24}">
+                  <p16:designElem xmlns:p16="http://schemas.microsoft.com/office/powerpoint/2015/main" val="1"/>
+                </p:ext>
+              </p:extLst>
+            </p:nvPr>
+          </p:nvCxnSpPr>
+          <p:spPr>
+            <a:xfrm>
+              <a:off x="7029447" y="3697727"/>
+              <a:ext cx="1285875" cy="0"/>
+            </a:xfrm>
+            <a:prstGeom prst="line">
+              <a:avLst/>
+            </a:prstGeom>
+            <a:ln w="31750" cap="rnd" cmpd="sng">
+              <a:gradFill>
+                <a:gsLst>
+                  <a:gs pos="0">
+                    <a:schemeClr val="tx2">
+                      <a:lumMod val="60000"/>
+                      <a:lumOff val="40000"/>
+                      <a:alpha val="40000"/>
+                    </a:schemeClr>
+                  </a:gs>
+                  <a:gs pos="100000">
+                    <a:schemeClr val="tx2">
+                      <a:lumMod val="50000"/>
+                      <a:alpha val="40000"/>
+                    </a:schemeClr>
+                  </a:gs>
+                </a:gsLst>
+                <a:lin ang="5400000" scaled="1"/>
+              </a:gradFill>
+              <a:prstDash val="sysDot"/>
+              <a:round/>
+            </a:ln>
+          </p:spPr>
+          <p:style>
+            <a:lnRef idx="1">
+              <a:schemeClr val="accent1"/>
+            </a:lnRef>
+            <a:fillRef idx="0">
+              <a:schemeClr val="accent1"/>
+            </a:fillRef>
+            <a:effectRef idx="0">
+              <a:schemeClr val="accent1"/>
+            </a:effectRef>
+            <a:fontRef idx="minor">
+              <a:schemeClr val="tx1"/>
+            </a:fontRef>
+          </p:style>
+        </p:cxnSp>
+        <p:cxnSp>
+          <p:nvCxnSpPr>
+            <p:cNvPr id="18" name="Straight Connector 17">
+              <a:extLst>
+                <a:ext uri="{FF2B5EF4-FFF2-40B4-BE49-F238E27FC236}">
+                  <a16:creationId xmlns:a16="http://schemas.microsoft.com/office/drawing/2014/main" id="{083B7973-20C3-4DB8-B3E0-064793F7A9AC}"/>
+                </a:ext>
+                <a:ext uri="{C183D7F6-B498-43B3-948B-1728B52AA6E4}">
+                  <adec:decorative xmlns:adec="http://schemas.microsoft.com/office/drawing/2017/decorative" val="1"/>
+                </a:ext>
+              </a:extLst>
+            </p:cNvPr>
+            <p:cNvCxnSpPr>
+              <a:cxnSpLocks/>
+            </p:cNvCxnSpPr>
+            <p:nvPr>
+              <p:extLst>
+                <p:ext uri="{386F3935-93C4-4BCD-93E2-E3B085C9AB24}">
+                  <p16:designElem xmlns:p16="http://schemas.microsoft.com/office/powerpoint/2015/main" val="1"/>
+                </p:ext>
+              </p:extLst>
+            </p:nvPr>
+          </p:nvCxnSpPr>
+          <p:spPr>
+            <a:xfrm>
+              <a:off x="7029447" y="3880729"/>
+              <a:ext cx="1285875" cy="0"/>
+            </a:xfrm>
+            <a:prstGeom prst="line">
+              <a:avLst/>
+            </a:prstGeom>
+            <a:ln w="31750" cap="rnd" cmpd="sng">
+              <a:gradFill>
+                <a:gsLst>
+                  <a:gs pos="0">
+                    <a:schemeClr val="tx2">
+                      <a:lumMod val="60000"/>
+                      <a:lumOff val="40000"/>
+                      <a:alpha val="40000"/>
+                    </a:schemeClr>
+                  </a:gs>
+                  <a:gs pos="100000">
+                    <a:schemeClr val="tx2">
+                      <a:lumMod val="50000"/>
+                      <a:alpha val="40000"/>
+                    </a:schemeClr>
+                  </a:gs>
+                </a:gsLst>
+                <a:lin ang="5400000" scaled="1"/>
+              </a:gradFill>
+              <a:prstDash val="sysDot"/>
+              <a:round/>
+            </a:ln>
+          </p:spPr>
+          <p:style>
+            <a:lnRef idx="1">
+              <a:schemeClr val="accent1"/>
+            </a:lnRef>
+            <a:fillRef idx="0">
+              <a:schemeClr val="accent1"/>
+            </a:fillRef>
+            <a:effectRef idx="0">
+              <a:schemeClr val="accent1"/>
+            </a:effectRef>
+            <a:fontRef idx="minor">
+              <a:schemeClr val="tx1"/>
+            </a:fontRef>
+          </p:style>
+        </p:cxnSp>
+        <p:cxnSp>
+          <p:nvCxnSpPr>
+            <p:cNvPr id="19" name="Straight Connector 18">
+              <a:extLst>
+                <a:ext uri="{FF2B5EF4-FFF2-40B4-BE49-F238E27FC236}">
+                  <a16:creationId xmlns:a16="http://schemas.microsoft.com/office/drawing/2014/main" id="{DF30D744-3746-48BB-92A0-20B891DE8683}"/>
+                </a:ext>
+                <a:ext uri="{C183D7F6-B498-43B3-948B-1728B52AA6E4}">
+                  <adec:decorative xmlns:adec="http://schemas.microsoft.com/office/drawing/2017/decorative" val="1"/>
+                </a:ext>
+              </a:extLst>
+            </p:cNvPr>
+            <p:cNvCxnSpPr>
+              <a:cxnSpLocks/>
+            </p:cNvCxnSpPr>
+            <p:nvPr>
+              <p:extLst>
+                <p:ext uri="{386F3935-93C4-4BCD-93E2-E3B085C9AB24}">
+                  <p16:designElem xmlns:p16="http://schemas.microsoft.com/office/powerpoint/2015/main" val="1"/>
+                </p:ext>
+              </p:extLst>
+            </p:nvPr>
+          </p:nvCxnSpPr>
+          <p:spPr>
+            <a:xfrm>
+              <a:off x="7029447" y="4063732"/>
+              <a:ext cx="1285875" cy="0"/>
+            </a:xfrm>
+            <a:prstGeom prst="line">
+              <a:avLst/>
+            </a:prstGeom>
+            <a:ln w="31750" cap="rnd" cmpd="sng">
+              <a:gradFill>
+                <a:gsLst>
+                  <a:gs pos="0">
+                    <a:schemeClr val="tx2">
+                      <a:lumMod val="60000"/>
+                      <a:lumOff val="40000"/>
+                      <a:alpha val="40000"/>
+                    </a:schemeClr>
+                  </a:gs>
+                  <a:gs pos="100000">
+                    <a:schemeClr val="tx2">
+                      <a:lumMod val="50000"/>
+                      <a:alpha val="40000"/>
+                    </a:schemeClr>
+                  </a:gs>
+                </a:gsLst>
+                <a:lin ang="5400000" scaled="1"/>
+              </a:gradFill>
+              <a:prstDash val="sysDot"/>
+              <a:round/>
+            </a:ln>
+          </p:spPr>
+          <p:style>
+            <a:lnRef idx="1">
+              <a:schemeClr val="accent1"/>
+            </a:lnRef>
+            <a:fillRef idx="0">
+              <a:schemeClr val="accent1"/>
+            </a:fillRef>
+            <a:effectRef idx="0">
+              <a:schemeClr val="accent1"/>
+            </a:effectRef>
+            <a:fontRef idx="minor">
+              <a:schemeClr val="tx1"/>
+            </a:fontRef>
+          </p:style>
+        </p:cxnSp>
+      </p:grpSp>
+      <p:pic>
+        <p:nvPicPr>
+          <p:cNvPr id="2" name="Picture 1">
+            <a:extLst>
+              <a:ext uri="{FF2B5EF4-FFF2-40B4-BE49-F238E27FC236}">
+                <a16:creationId xmlns:a16="http://schemas.microsoft.com/office/drawing/2014/main" id="{14B8091F-F523-8B51-4D43-D8CABD7983FB}"/>
+              </a:ext>
+            </a:extLst>
+          </p:cNvPr>
+          <p:cNvPicPr>
+            <a:picLocks noChangeAspect="1"/>
+          </p:cNvPicPr>
+          <p:nvPr/>
+        </p:nvPicPr>
+        <p:blipFill>
+          <a:blip r:embed="rId2"/>
+          <a:srcRect r="1486" b="1"/>
+          <a:stretch/>
+        </p:blipFill>
+        <p:spPr>
+          <a:xfrm>
+            <a:off x="-4572" y="-2"/>
+            <a:ext cx="18283428" cy="10287001"/>
+          </a:xfrm>
+          <a:prstGeom prst="rect">
+            <a:avLst/>
+          </a:prstGeom>
+        </p:spPr>
+      </p:pic>
+      <p:grpSp>
+        <p:nvGrpSpPr>
+          <p:cNvPr id="21" name="Group 20">
+            <a:extLst>
+              <a:ext uri="{FF2B5EF4-FFF2-40B4-BE49-F238E27FC236}">
+                <a16:creationId xmlns:a16="http://schemas.microsoft.com/office/drawing/2014/main" id="{9D85FE18-7BE5-446D-9A33-1C7C3B910680}"/>
+              </a:ext>
+              <a:ext uri="{C183D7F6-B498-43B3-948B-1728B52AA6E4}">
+                <adec:decorative xmlns:adec="http://schemas.microsoft.com/office/drawing/2017/decorative" val="1"/>
+              </a:ext>
+            </a:extLst>
+          </p:cNvPr>
+          <p:cNvGrpSpPr>
+            <a:grpSpLocks noGrp="1" noUngrp="1" noRot="1" noChangeAspect="1" noMove="1" noResize="1"/>
+          </p:cNvGrpSpPr>
+          <p:nvPr>
+            <p:extLst>
+              <p:ext uri="{386F3935-93C4-4BCD-93E2-E3B085C9AB24}">
+                <p16:designElem xmlns:p16="http://schemas.microsoft.com/office/powerpoint/2015/main" val="1"/>
+              </p:ext>
+            </p:extLst>
+          </p:nvPr>
+        </p:nvGrpSpPr>
+        <p:grpSpPr>
+          <a:xfrm>
+            <a:off x="1" y="3113131"/>
+            <a:ext cx="18073095" cy="6139960"/>
+            <a:chOff x="1" y="2075420"/>
+            <a:chExt cx="12048729" cy="4093306"/>
+          </a:xfrm>
+        </p:grpSpPr>
+        <p:sp>
+          <p:nvSpPr>
+            <p:cNvPr id="22" name="Oval 21">
+              <a:extLst>
+                <a:ext uri="{FF2B5EF4-FFF2-40B4-BE49-F238E27FC236}">
+                  <a16:creationId xmlns:a16="http://schemas.microsoft.com/office/drawing/2014/main" id="{0051917B-A90B-4216-B86A-326AF85FF7EE}"/>
+                </a:ext>
+                <a:ext uri="{C183D7F6-B498-43B3-948B-1728B52AA6E4}">
+                  <adec:decorative xmlns:adec="http://schemas.microsoft.com/office/drawing/2017/decorative" val="1"/>
+                </a:ext>
+              </a:extLst>
+            </p:cNvPr>
+            <p:cNvSpPr/>
+            <p:nvPr>
+              <p:extLst>
+                <p:ext uri="{386F3935-93C4-4BCD-93E2-E3B085C9AB24}">
+                  <p16:designElem xmlns:p16="http://schemas.microsoft.com/office/powerpoint/2015/main" val="1"/>
+                </p:ext>
+              </p:extLst>
+            </p:nvPr>
+          </p:nvSpPr>
+          <p:spPr>
+            <a:xfrm rot="4500000">
+              <a:off x="7942191" y="2507571"/>
+              <a:ext cx="3563871" cy="3563871"/>
+            </a:xfrm>
+            <a:prstGeom prst="ellipse">
+              <a:avLst/>
+            </a:prstGeom>
+            <a:noFill/>
+            <a:ln w="31750">
+              <a:gradFill>
+                <a:gsLst>
+                  <a:gs pos="0">
+                    <a:schemeClr val="tx2">
+                      <a:lumMod val="60000"/>
+                      <a:lumOff val="40000"/>
+                      <a:alpha val="10000"/>
+                    </a:schemeClr>
+                  </a:gs>
+                  <a:gs pos="100000">
+                    <a:schemeClr val="tx2">
+                      <a:lumMod val="50000"/>
+                      <a:alpha val="20000"/>
+                    </a:schemeClr>
+                  </a:gs>
+                </a:gsLst>
+                <a:lin ang="5400000" scaled="1"/>
+              </a:gradFill>
+              <a:prstDash val="sysDot"/>
+            </a:ln>
+          </p:spPr>
+          <p:style>
+            <a:lnRef idx="2">
+              <a:schemeClr val="accent1">
+                <a:shade val="50000"/>
+              </a:schemeClr>
+            </a:lnRef>
+            <a:fillRef idx="1">
+              <a:schemeClr val="accent1"/>
+            </a:fillRef>
+            <a:effectRef idx="0">
+              <a:schemeClr val="accent1"/>
+            </a:effectRef>
+            <a:fontRef idx="minor">
+              <a:schemeClr val="lt1"/>
+            </a:fontRef>
+          </p:style>
+          <p:txBody>
+            <a:bodyPr rtlCol="0" anchor="ctr"/>
+            <a:lstStyle/>
+            <a:p>
+              <a:pPr algn="ctr"/>
+              <a:endParaRPr lang="en-US"/>
+            </a:p>
+          </p:txBody>
+        </p:sp>
+        <p:sp>
+          <p:nvSpPr>
+            <p:cNvPr id="23" name="Oval 22">
+              <a:extLst>
+                <a:ext uri="{FF2B5EF4-FFF2-40B4-BE49-F238E27FC236}">
+                  <a16:creationId xmlns:a16="http://schemas.microsoft.com/office/drawing/2014/main" id="{619777D6-E475-4DB7-968D-5643F54B082D}"/>
+                </a:ext>
+                <a:ext uri="{C183D7F6-B498-43B3-948B-1728B52AA6E4}">
+                  <adec:decorative xmlns:adec="http://schemas.microsoft.com/office/drawing/2017/decorative" val="1"/>
+                </a:ext>
+              </a:extLst>
+            </p:cNvPr>
+            <p:cNvSpPr/>
+            <p:nvPr>
+              <p:extLst>
+                <p:ext uri="{386F3935-93C4-4BCD-93E2-E3B085C9AB24}">
+                  <p16:designElem xmlns:p16="http://schemas.microsoft.com/office/powerpoint/2015/main" val="1"/>
+                </p:ext>
+              </p:extLst>
+            </p:nvPr>
+          </p:nvSpPr>
+          <p:spPr>
+            <a:xfrm rot="16200000">
+              <a:off x="10435065" y="4048931"/>
+              <a:ext cx="1381607" cy="1381607"/>
+            </a:xfrm>
+            <a:prstGeom prst="ellipse">
+              <a:avLst/>
+            </a:prstGeom>
+            <a:noFill/>
+            <a:ln w="31750">
+              <a:gradFill>
+                <a:gsLst>
+                  <a:gs pos="0">
+                    <a:schemeClr val="tx2">
+                      <a:lumMod val="60000"/>
+                      <a:lumOff val="40000"/>
+                      <a:alpha val="20000"/>
+                    </a:schemeClr>
+                  </a:gs>
+                  <a:gs pos="100000">
+                    <a:schemeClr val="tx2">
+                      <a:lumMod val="50000"/>
+                      <a:alpha val="20000"/>
+                    </a:schemeClr>
+                  </a:gs>
+                </a:gsLst>
+                <a:lin ang="5400000" scaled="1"/>
+              </a:gradFill>
+              <a:prstDash val="sysDot"/>
+            </a:ln>
+          </p:spPr>
+          <p:style>
+            <a:lnRef idx="2">
+              <a:schemeClr val="accent1">
+                <a:shade val="50000"/>
+              </a:schemeClr>
+            </a:lnRef>
+            <a:fillRef idx="1">
+              <a:schemeClr val="accent1"/>
+            </a:fillRef>
+            <a:effectRef idx="0">
+              <a:schemeClr val="accent1"/>
+            </a:effectRef>
+            <a:fontRef idx="minor">
+              <a:schemeClr val="lt1"/>
+            </a:fontRef>
+          </p:style>
+          <p:txBody>
+            <a:bodyPr rtlCol="0" anchor="ctr"/>
+            <a:lstStyle/>
+            <a:p>
+              <a:pPr algn="ctr"/>
+              <a:endParaRPr lang="en-US"/>
+            </a:p>
+          </p:txBody>
+        </p:sp>
+        <p:sp>
+          <p:nvSpPr>
+            <p:cNvPr id="24" name="Oval 23">
+              <a:extLst>
+                <a:ext uri="{FF2B5EF4-FFF2-40B4-BE49-F238E27FC236}">
+                  <a16:creationId xmlns:a16="http://schemas.microsoft.com/office/drawing/2014/main" id="{8750EF92-D35C-417F-B5C0-4BA7EA36A683}"/>
+                </a:ext>
+                <a:ext uri="{C183D7F6-B498-43B3-948B-1728B52AA6E4}">
+                  <adec:decorative xmlns:adec="http://schemas.microsoft.com/office/drawing/2017/decorative" val="1"/>
+                </a:ext>
+              </a:extLst>
+            </p:cNvPr>
+            <p:cNvSpPr/>
+            <p:nvPr>
+              <p:extLst>
+                <p:ext uri="{386F3935-93C4-4BCD-93E2-E3B085C9AB24}">
+                  <p16:designElem xmlns:p16="http://schemas.microsoft.com/office/powerpoint/2015/main" val="1"/>
+                </p:ext>
+              </p:extLst>
+            </p:nvPr>
+          </p:nvSpPr>
+          <p:spPr>
+            <a:xfrm rot="16200000">
+              <a:off x="1" y="2075420"/>
+              <a:ext cx="3144364" cy="3144364"/>
+            </a:xfrm>
+            <a:prstGeom prst="ellipse">
+              <a:avLst/>
+            </a:prstGeom>
+            <a:gradFill>
+              <a:gsLst>
+                <a:gs pos="0">
+                  <a:schemeClr val="tx2">
+                    <a:lumMod val="75000"/>
+                    <a:alpha val="20000"/>
+                  </a:schemeClr>
+                </a:gs>
+                <a:gs pos="100000">
+                  <a:schemeClr val="tx2">
+                    <a:lumMod val="50000"/>
+                    <a:alpha val="10000"/>
+                  </a:schemeClr>
+                </a:gs>
+              </a:gsLst>
+              <a:lin ang="5400000" scaled="1"/>
+            </a:gradFill>
+            <a:ln>
+              <a:noFill/>
+            </a:ln>
+          </p:spPr>
+          <p:style>
+            <a:lnRef idx="2">
+              <a:schemeClr val="accent1">
+                <a:shade val="50000"/>
+              </a:schemeClr>
+            </a:lnRef>
+            <a:fillRef idx="1">
+              <a:schemeClr val="accent1"/>
+            </a:fillRef>
+            <a:effectRef idx="0">
+              <a:schemeClr val="accent1"/>
+            </a:effectRef>
+            <a:fontRef idx="minor">
+              <a:schemeClr val="lt1"/>
+            </a:fontRef>
+          </p:style>
+          <p:txBody>
+            <a:bodyPr rtlCol="0" anchor="ctr"/>
+            <a:lstStyle/>
+            <a:p>
+              <a:pPr algn="ctr"/>
+              <a:endParaRPr lang="en-US"/>
+            </a:p>
+          </p:txBody>
+        </p:sp>
+        <p:sp>
+          <p:nvSpPr>
+            <p:cNvPr id="25" name="Oval 24">
+              <a:extLst>
+                <a:ext uri="{FF2B5EF4-FFF2-40B4-BE49-F238E27FC236}">
+                  <a16:creationId xmlns:a16="http://schemas.microsoft.com/office/drawing/2014/main" id="{3BB14A7B-EFDD-4C96-8E2A-7DF6B1618A7E}"/>
+                </a:ext>
+                <a:ext uri="{C183D7F6-B498-43B3-948B-1728B52AA6E4}">
+                  <adec:decorative xmlns:adec="http://schemas.microsoft.com/office/drawing/2017/decorative" val="1"/>
+                </a:ext>
+              </a:extLst>
+            </p:cNvPr>
+            <p:cNvSpPr/>
+            <p:nvPr>
+              <p:extLst>
+                <p:ext uri="{386F3935-93C4-4BCD-93E2-E3B085C9AB24}">
+                  <p16:designElem xmlns:p16="http://schemas.microsoft.com/office/powerpoint/2015/main" val="1"/>
+                </p:ext>
+              </p:extLst>
+            </p:nvPr>
+          </p:nvSpPr>
+          <p:spPr>
+            <a:xfrm rot="12600000">
+              <a:off x="10150845" y="4270841"/>
+              <a:ext cx="1897885" cy="1897885"/>
+            </a:xfrm>
+            <a:prstGeom prst="ellipse">
+              <a:avLst/>
+            </a:prstGeom>
+            <a:gradFill>
+              <a:gsLst>
+                <a:gs pos="0">
+                  <a:schemeClr val="tx2">
+                    <a:lumMod val="75000"/>
+                    <a:alpha val="10000"/>
+                  </a:schemeClr>
+                </a:gs>
+                <a:gs pos="100000">
+                  <a:schemeClr val="tx2">
+                    <a:lumMod val="75000"/>
+                    <a:alpha val="20000"/>
+                  </a:schemeClr>
+                </a:gs>
+              </a:gsLst>
+              <a:lin ang="5400000" scaled="1"/>
+            </a:gradFill>
+            <a:ln>
+              <a:noFill/>
+            </a:ln>
+          </p:spPr>
+          <p:style>
+            <a:lnRef idx="2">
+              <a:schemeClr val="accent1">
+                <a:shade val="50000"/>
+              </a:schemeClr>
+            </a:lnRef>
+            <a:fillRef idx="1">
+              <a:schemeClr val="accent1"/>
+            </a:fillRef>
+            <a:effectRef idx="0">
+              <a:schemeClr val="accent1"/>
+            </a:effectRef>
+            <a:fontRef idx="minor">
+              <a:schemeClr val="lt1"/>
+            </a:fontRef>
+          </p:style>
+          <p:txBody>
+            <a:bodyPr rtlCol="0" anchor="ctr"/>
+            <a:lstStyle/>
+            <a:p>
+              <a:pPr algn="ctr"/>
+              <a:endParaRPr lang="en-US" dirty="0"/>
+            </a:p>
+          </p:txBody>
+        </p:sp>
+        <p:sp>
+          <p:nvSpPr>
+            <p:cNvPr id="26" name="Oval 25">
+              <a:extLst>
+                <a:ext uri="{FF2B5EF4-FFF2-40B4-BE49-F238E27FC236}">
+                  <a16:creationId xmlns:a16="http://schemas.microsoft.com/office/drawing/2014/main" id="{5AF08D53-C22B-4EB4-B59D-94B42A14DB94}"/>
+                </a:ext>
+                <a:ext uri="{C183D7F6-B498-43B3-948B-1728B52AA6E4}">
+                  <adec:decorative xmlns:adec="http://schemas.microsoft.com/office/drawing/2017/decorative" val="1"/>
+                </a:ext>
+              </a:extLst>
+            </p:cNvPr>
+            <p:cNvSpPr/>
+            <p:nvPr>
+              <p:extLst>
+                <p:ext uri="{386F3935-93C4-4BCD-93E2-E3B085C9AB24}">
+                  <p16:designElem xmlns:p16="http://schemas.microsoft.com/office/powerpoint/2015/main" val="1"/>
+                </p:ext>
+              </p:extLst>
+            </p:nvPr>
+          </p:nvSpPr>
+          <p:spPr>
+            <a:xfrm rot="4500000">
+              <a:off x="2046780" y="3040492"/>
+              <a:ext cx="2579322" cy="2579322"/>
+            </a:xfrm>
+            <a:prstGeom prst="ellipse">
+              <a:avLst/>
+            </a:prstGeom>
+            <a:noFill/>
+            <a:ln w="31750">
+              <a:gradFill>
+                <a:gsLst>
+                  <a:gs pos="0">
+                    <a:schemeClr val="tx2">
+                      <a:lumMod val="60000"/>
+                      <a:lumOff val="40000"/>
+                      <a:alpha val="20000"/>
+                    </a:schemeClr>
+                  </a:gs>
+                  <a:gs pos="100000">
+                    <a:schemeClr val="tx2">
+                      <a:lumMod val="50000"/>
+                      <a:alpha val="20000"/>
+                    </a:schemeClr>
+                  </a:gs>
+                </a:gsLst>
+                <a:lin ang="5400000" scaled="1"/>
+              </a:gradFill>
+              <a:prstDash val="sysDot"/>
+            </a:ln>
+          </p:spPr>
+          <p:style>
+            <a:lnRef idx="2">
+              <a:schemeClr val="accent1">
+                <a:shade val="50000"/>
+              </a:schemeClr>
+            </a:lnRef>
+            <a:fillRef idx="1">
+              <a:schemeClr val="accent1"/>
+            </a:fillRef>
+            <a:effectRef idx="0">
+              <a:schemeClr val="accent1"/>
+            </a:effectRef>
+            <a:fontRef idx="minor">
+              <a:schemeClr val="lt1"/>
+            </a:fontRef>
+          </p:style>
+          <p:txBody>
+            <a:bodyPr rtlCol="0" anchor="ctr"/>
+            <a:lstStyle/>
+            <a:p>
+              <a:pPr algn="ctr"/>
+              <a:endParaRPr lang="en-US"/>
+            </a:p>
+          </p:txBody>
+        </p:sp>
+        <p:sp>
+          <p:nvSpPr>
+            <p:cNvPr id="27" name="Oval 26">
+              <a:extLst>
+                <a:ext uri="{FF2B5EF4-FFF2-40B4-BE49-F238E27FC236}">
+                  <a16:creationId xmlns:a16="http://schemas.microsoft.com/office/drawing/2014/main" id="{1950868D-F005-4C1A-A79B-D069B99479A0}"/>
+                </a:ext>
+                <a:ext uri="{C183D7F6-B498-43B3-948B-1728B52AA6E4}">
+                  <adec:decorative xmlns:adec="http://schemas.microsoft.com/office/drawing/2017/decorative" val="1"/>
+                </a:ext>
+              </a:extLst>
+            </p:cNvPr>
+            <p:cNvSpPr/>
+            <p:nvPr>
+              <p:extLst>
+                <p:ext uri="{386F3935-93C4-4BCD-93E2-E3B085C9AB24}">
+                  <p16:designElem xmlns:p16="http://schemas.microsoft.com/office/powerpoint/2015/main" val="1"/>
+                </p:ext>
+              </p:extLst>
+            </p:nvPr>
+          </p:nvSpPr>
+          <p:spPr>
+            <a:xfrm rot="4500000">
+              <a:off x="2224640" y="3193975"/>
+              <a:ext cx="2243193" cy="2243193"/>
+            </a:xfrm>
+            <a:prstGeom prst="ellipse">
+              <a:avLst/>
+            </a:prstGeom>
+            <a:noFill/>
+            <a:ln w="31750">
+              <a:gradFill>
+                <a:gsLst>
+                  <a:gs pos="0">
+                    <a:schemeClr val="tx2">
+                      <a:lumMod val="60000"/>
+                      <a:lumOff val="40000"/>
+                      <a:alpha val="10000"/>
+                    </a:schemeClr>
+                  </a:gs>
+                  <a:gs pos="100000">
+                    <a:schemeClr val="tx2">
+                      <a:lumMod val="50000"/>
+                      <a:alpha val="10000"/>
+                    </a:schemeClr>
+                  </a:gs>
+                </a:gsLst>
+                <a:lin ang="5400000" scaled="1"/>
+              </a:gradFill>
+            </a:ln>
+          </p:spPr>
+          <p:style>
+            <a:lnRef idx="2">
+              <a:schemeClr val="accent1">
+                <a:shade val="50000"/>
+              </a:schemeClr>
+            </a:lnRef>
+            <a:fillRef idx="1">
+              <a:schemeClr val="accent1"/>
+            </a:fillRef>
+            <a:effectRef idx="0">
+              <a:schemeClr val="accent1"/>
+            </a:effectRef>
+            <a:fontRef idx="minor">
+              <a:schemeClr val="lt1"/>
+            </a:fontRef>
+          </p:style>
+          <p:txBody>
+            <a:bodyPr rtlCol="0" anchor="ctr"/>
+            <a:lstStyle/>
+            <a:p>
+              <a:pPr algn="ctr"/>
+              <a:endParaRPr lang="en-US"/>
+            </a:p>
+          </p:txBody>
+        </p:sp>
+      </p:grpSp>
+    </p:spTree>
+    <p:extLst>
+      <p:ext uri="{BB962C8B-B14F-4D97-AF65-F5344CB8AC3E}">
+        <p14:creationId xmlns:p14="http://schemas.microsoft.com/office/powerpoint/2010/main" val="1614843332"/>
+      </p:ext>
+    </p:extLst>
+  </p:cSld>
+  <p:clrMapOvr>
+    <a:masterClrMapping/>
+  </p:clrMapOvr>
+</p:sld>
+</file>
+
+<file path=ppt/slides/slide8.xml><?xml version="1.0" encoding="utf-8"?>
+<p:sld xmlns:a="http://schemas.openxmlformats.org/drawingml/2006/main" xmlns:r="http://schemas.openxmlformats.org/officeDocument/2006/relationships" xmlns:p="http://schemas.openxmlformats.org/presentationml/2006/main">
+  <p:cSld>
+    <p:bg>
+      <p:bgPr>
+        <a:solidFill>
           <a:srgbClr val="091060"/>
         </a:solidFill>
         <a:effectLst/>
@@ -17793,7 +20133,7 @@
 </p:sld>
 </file>
 
-<file path=ppt/slides/slide8.xml><?xml version="1.0" encoding="utf-8"?>
+<file path=ppt/slides/slide9.xml><?xml version="1.0" encoding="utf-8"?>
 <p:sld xmlns:a="http://schemas.openxmlformats.org/drawingml/2006/main" xmlns:r="http://schemas.openxmlformats.org/officeDocument/2006/relationships" xmlns:p="http://schemas.openxmlformats.org/presentationml/2006/main">
   <p:cSld>
     <p:bg>
@@ -18565,432 +20905,6 @@
           </p:txBody>
         </p:sp>
       </p:grpSp>
-    </p:spTree>
-  </p:cSld>
-  <p:clrMapOvr>
-    <a:masterClrMapping/>
-  </p:clrMapOvr>
-</p:sld>
-</file>
-
-<file path=ppt/slides/slide9.xml><?xml version="1.0" encoding="utf-8"?>
-<p:sld xmlns:a="http://schemas.openxmlformats.org/drawingml/2006/main" xmlns:r="http://schemas.openxmlformats.org/officeDocument/2006/relationships" xmlns:p="http://schemas.openxmlformats.org/presentationml/2006/main">
-  <p:cSld>
-    <p:bg>
-      <p:bgPr>
-        <a:solidFill>
-          <a:srgbClr val="091060"/>
-        </a:solidFill>
-        <a:effectLst/>
-      </p:bgPr>
-    </p:bg>
-    <p:spTree>
-      <p:nvGrpSpPr>
-        <p:cNvPr id="1" name=""/>
-        <p:cNvGrpSpPr/>
-        <p:nvPr/>
-      </p:nvGrpSpPr>
-      <p:grpSpPr>
-        <a:xfrm>
-          <a:off x="0" y="0"/>
-          <a:ext cx="0" cy="0"/>
-          <a:chOff x="0" y="0"/>
-          <a:chExt cx="0" cy="0"/>
-        </a:xfrm>
-      </p:grpSpPr>
-      <p:sp>
-        <p:nvSpPr>
-          <p:cNvPr id="2" name="Freeform 2"/>
-          <p:cNvSpPr/>
-          <p:nvPr/>
-        </p:nvSpPr>
-        <p:spPr>
-          <a:xfrm>
-            <a:off x="-9525" y="-9525"/>
-            <a:ext cx="18307050" cy="10306050"/>
-          </a:xfrm>
-          <a:custGeom>
-            <a:avLst/>
-            <a:gdLst/>
-            <a:ahLst/>
-            <a:cxnLst/>
-            <a:rect l="l" t="t" r="r" b="b"/>
-            <a:pathLst>
-              <a:path w="18307050" h="10306050">
-                <a:moveTo>
-                  <a:pt x="0" y="0"/>
-                </a:moveTo>
-                <a:lnTo>
-                  <a:pt x="18307050" y="0"/>
-                </a:lnTo>
-                <a:lnTo>
-                  <a:pt x="18307050" y="10306050"/>
-                </a:lnTo>
-                <a:lnTo>
-                  <a:pt x="0" y="10306050"/>
-                </a:lnTo>
-                <a:lnTo>
-                  <a:pt x="0" y="0"/>
-                </a:lnTo>
-                <a:close/>
-              </a:path>
-            </a:pathLst>
-          </a:custGeom>
-          <a:blipFill>
-            <a:blip r:embed="rId3"/>
-            <a:stretch>
-              <a:fillRect t="-45188" r="-45305"/>
-            </a:stretch>
-          </a:blipFill>
-        </p:spPr>
-        <p:txBody>
-          <a:bodyPr/>
-          <a:lstStyle/>
-          <a:p>
-            <a:endParaRPr lang="en-US"/>
-          </a:p>
-        </p:txBody>
-      </p:sp>
-      <p:grpSp>
-        <p:nvGrpSpPr>
-          <p:cNvPr id="3" name="Group 3"/>
-          <p:cNvGrpSpPr/>
-          <p:nvPr/>
-        </p:nvGrpSpPr>
-        <p:grpSpPr>
-          <a:xfrm>
-            <a:off x="1426450" y="7170400"/>
-            <a:ext cx="15435600" cy="2037600"/>
-            <a:chOff x="0" y="0"/>
-            <a:chExt cx="20580800" cy="2716800"/>
-          </a:xfrm>
-        </p:grpSpPr>
-        <p:sp>
-          <p:nvSpPr>
-            <p:cNvPr id="4" name="Freeform 4"/>
-            <p:cNvSpPr/>
-            <p:nvPr/>
-          </p:nvSpPr>
-          <p:spPr>
-            <a:xfrm>
-              <a:off x="0" y="0"/>
-              <a:ext cx="20580800" cy="2716800"/>
-            </a:xfrm>
-            <a:custGeom>
-              <a:avLst/>
-              <a:gdLst/>
-              <a:ahLst/>
-              <a:cxnLst/>
-              <a:rect l="l" t="t" r="r" b="b"/>
-              <a:pathLst>
-                <a:path w="20580800" h="2716800">
-                  <a:moveTo>
-                    <a:pt x="0" y="0"/>
-                  </a:moveTo>
-                  <a:lnTo>
-                    <a:pt x="20580800" y="0"/>
-                  </a:lnTo>
-                  <a:lnTo>
-                    <a:pt x="20580800" y="2716800"/>
-                  </a:lnTo>
-                  <a:lnTo>
-                    <a:pt x="0" y="2716800"/>
-                  </a:lnTo>
-                  <a:close/>
-                </a:path>
-              </a:pathLst>
-            </a:custGeom>
-            <a:solidFill>
-              <a:srgbClr val="000000">
-                <a:alpha val="0"/>
-              </a:srgbClr>
-            </a:solidFill>
-          </p:spPr>
-          <p:txBody>
-            <a:bodyPr/>
-            <a:lstStyle/>
-            <a:p>
-              <a:endParaRPr lang="en-US"/>
-            </a:p>
-          </p:txBody>
-        </p:sp>
-        <p:sp>
-          <p:nvSpPr>
-            <p:cNvPr id="5" name="TextBox 5"/>
-            <p:cNvSpPr txBox="1"/>
-            <p:nvPr/>
-          </p:nvSpPr>
-          <p:spPr>
-            <a:xfrm>
-              <a:off x="0" y="-38100"/>
-              <a:ext cx="20580800" cy="2754900"/>
-            </a:xfrm>
-            <a:prstGeom prst="rect">
-              <a:avLst/>
-            </a:prstGeom>
-          </p:spPr>
-          <p:txBody>
-            <a:bodyPr lIns="0" tIns="0" rIns="0" bIns="0" rtlCol="0" anchor="t"/>
-            <a:lstStyle/>
-            <a:p>
-              <a:pPr algn="r">
-                <a:lnSpc>
-                  <a:spcPts val="9600"/>
-                </a:lnSpc>
-              </a:pPr>
-              <a:r>
-                <a:rPr lang="en-US" sz="8000">
-                  <a:solidFill>
-                    <a:srgbClr val="FFFFFF"/>
-                  </a:solidFill>
-                  <a:latin typeface="Arimo"/>
-                  <a:ea typeface="Arimo"/>
-                  <a:cs typeface="Arimo"/>
-                  <a:sym typeface="Arimo"/>
-                </a:rPr>
-                <a:t>Data Flow &amp; Chunking</a:t>
-              </a:r>
-            </a:p>
-          </p:txBody>
-        </p:sp>
-      </p:grpSp>
-      <p:grpSp>
-        <p:nvGrpSpPr>
-          <p:cNvPr id="6" name="Group 6"/>
-          <p:cNvGrpSpPr/>
-          <p:nvPr/>
-        </p:nvGrpSpPr>
-        <p:grpSpPr>
-          <a:xfrm>
-            <a:off x="1426450" y="999450"/>
-            <a:ext cx="2535000" cy="1625898"/>
-            <a:chOff x="0" y="0"/>
-            <a:chExt cx="3380000" cy="2167864"/>
-          </a:xfrm>
-        </p:grpSpPr>
-        <p:sp>
-          <p:nvSpPr>
-            <p:cNvPr id="7" name="Freeform 7"/>
-            <p:cNvSpPr/>
-            <p:nvPr/>
-          </p:nvSpPr>
-          <p:spPr>
-            <a:xfrm>
-              <a:off x="0" y="0"/>
-              <a:ext cx="3380000" cy="2167864"/>
-            </a:xfrm>
-            <a:custGeom>
-              <a:avLst/>
-              <a:gdLst/>
-              <a:ahLst/>
-              <a:cxnLst/>
-              <a:rect l="l" t="t" r="r" b="b"/>
-              <a:pathLst>
-                <a:path w="3380000" h="2167864">
-                  <a:moveTo>
-                    <a:pt x="0" y="0"/>
-                  </a:moveTo>
-                  <a:lnTo>
-                    <a:pt x="3380000" y="0"/>
-                  </a:lnTo>
-                  <a:lnTo>
-                    <a:pt x="3380000" y="2167864"/>
-                  </a:lnTo>
-                  <a:lnTo>
-                    <a:pt x="0" y="2167864"/>
-                  </a:lnTo>
-                  <a:close/>
-                </a:path>
-              </a:pathLst>
-            </a:custGeom>
-            <a:solidFill>
-              <a:srgbClr val="000000">
-                <a:alpha val="0"/>
-              </a:srgbClr>
-            </a:solidFill>
-          </p:spPr>
-          <p:txBody>
-            <a:bodyPr/>
-            <a:lstStyle/>
-            <a:p>
-              <a:endParaRPr lang="en-US"/>
-            </a:p>
-          </p:txBody>
-        </p:sp>
-        <p:sp>
-          <p:nvSpPr>
-            <p:cNvPr id="8" name="TextBox 8"/>
-            <p:cNvSpPr txBox="1"/>
-            <p:nvPr/>
-          </p:nvSpPr>
-          <p:spPr>
-            <a:xfrm>
-              <a:off x="0" y="-38100"/>
-              <a:ext cx="3380000" cy="2205964"/>
-            </a:xfrm>
-            <a:prstGeom prst="rect">
-              <a:avLst/>
-            </a:prstGeom>
-          </p:spPr>
-          <p:txBody>
-            <a:bodyPr lIns="0" tIns="0" rIns="0" bIns="0" rtlCol="0" anchor="b"/>
-            <a:lstStyle/>
-            <a:p>
-              <a:pPr algn="l">
-                <a:lnSpc>
-                  <a:spcPts val="9600"/>
-                </a:lnSpc>
-              </a:pPr>
-              <a:r>
-                <a:rPr lang="en-US" sz="8000">
-                  <a:solidFill>
-                    <a:srgbClr val="FFFFFF"/>
-                  </a:solidFill>
-                  <a:latin typeface="Arimo"/>
-                  <a:ea typeface="Arimo"/>
-                  <a:cs typeface="Arimo"/>
-                  <a:sym typeface="Arimo"/>
-                </a:rPr>
-                <a:t>03</a:t>
-              </a:r>
-            </a:p>
-          </p:txBody>
-        </p:sp>
-      </p:grpSp>
-      <p:grpSp>
-        <p:nvGrpSpPr>
-          <p:cNvPr id="9" name="Group 9"/>
-          <p:cNvGrpSpPr/>
-          <p:nvPr/>
-        </p:nvGrpSpPr>
-        <p:grpSpPr>
-          <a:xfrm>
-            <a:off x="1028700" y="9203238"/>
-            <a:ext cx="2248800" cy="784800"/>
-            <a:chOff x="0" y="0"/>
-            <a:chExt cx="2998400" cy="1046400"/>
-          </a:xfrm>
-        </p:grpSpPr>
-        <p:sp>
-          <p:nvSpPr>
-            <p:cNvPr id="10" name="Freeform 10"/>
-            <p:cNvSpPr/>
-            <p:nvPr/>
-          </p:nvSpPr>
-          <p:spPr>
-            <a:xfrm>
-              <a:off x="0" y="0"/>
-              <a:ext cx="2998400" cy="1046400"/>
-            </a:xfrm>
-            <a:custGeom>
-              <a:avLst/>
-              <a:gdLst/>
-              <a:ahLst/>
-              <a:cxnLst/>
-              <a:rect l="l" t="t" r="r" b="b"/>
-              <a:pathLst>
-                <a:path w="2998400" h="1046400">
-                  <a:moveTo>
-                    <a:pt x="0" y="0"/>
-                  </a:moveTo>
-                  <a:lnTo>
-                    <a:pt x="2998400" y="0"/>
-                  </a:lnTo>
-                  <a:lnTo>
-                    <a:pt x="2998400" y="1046400"/>
-                  </a:lnTo>
-                  <a:lnTo>
-                    <a:pt x="0" y="1046400"/>
-                  </a:lnTo>
-                  <a:close/>
-                </a:path>
-              </a:pathLst>
-            </a:custGeom>
-            <a:solidFill>
-              <a:srgbClr val="000000">
-                <a:alpha val="0"/>
-              </a:srgbClr>
-            </a:solidFill>
-          </p:spPr>
-          <p:txBody>
-            <a:bodyPr/>
-            <a:lstStyle/>
-            <a:p>
-              <a:endParaRPr lang="en-US"/>
-            </a:p>
-          </p:txBody>
-        </p:sp>
-        <p:sp>
-          <p:nvSpPr>
-            <p:cNvPr id="11" name="TextBox 11"/>
-            <p:cNvSpPr txBox="1"/>
-            <p:nvPr/>
-          </p:nvSpPr>
-          <p:spPr>
-            <a:xfrm>
-              <a:off x="0" y="-9525"/>
-              <a:ext cx="2998400" cy="1055925"/>
-            </a:xfrm>
-            <a:prstGeom prst="rect">
-              <a:avLst/>
-            </a:prstGeom>
-          </p:spPr>
-          <p:txBody>
-            <a:bodyPr lIns="0" tIns="0" rIns="0" bIns="0" rtlCol="0" anchor="ctr"/>
-            <a:lstStyle/>
-            <a:p>
-              <a:pPr algn="ctr">
-                <a:lnSpc>
-                  <a:spcPts val="2400"/>
-                </a:lnSpc>
-              </a:pPr>
-              <a:r>
-                <a:rPr lang="en-US" sz="2000">
-                  <a:solidFill>
-                    <a:srgbClr val="FFFFFF"/>
-                  </a:solidFill>
-                  <a:latin typeface="Arimo"/>
-                  <a:ea typeface="Arimo"/>
-                  <a:cs typeface="Arimo"/>
-                  <a:sym typeface="Arimo"/>
-                </a:rPr>
-                <a:t>Athylze</a:t>
-              </a:r>
-            </a:p>
-          </p:txBody>
-        </p:sp>
-      </p:grpSp>
-      <p:sp>
-        <p:nvSpPr>
-          <p:cNvPr id="12" name="AutoShape 12"/>
-          <p:cNvSpPr/>
-          <p:nvPr/>
-        </p:nvSpPr>
-        <p:spPr>
-          <a:xfrm rot="3966">
-            <a:off x="2851870" y="9600400"/>
-            <a:ext cx="16510061" cy="0"/>
-          </a:xfrm>
-          <a:prstGeom prst="line">
-            <a:avLst/>
-          </a:prstGeom>
-          <a:ln w="9525" cap="rnd">
-            <a:solidFill>
-              <a:srgbClr val="FFFFFF"/>
-            </a:solidFill>
-            <a:prstDash val="solid"/>
-            <a:headEnd type="none" w="sm" len="sm"/>
-            <a:tailEnd type="none" w="sm" len="sm"/>
-          </a:ln>
-        </p:spPr>
-        <p:txBody>
-          <a:bodyPr/>
-          <a:lstStyle/>
-          <a:p>
-            <a:endParaRPr lang="en-US"/>
-          </a:p>
-        </p:txBody>
-      </p:sp>
     </p:spTree>
   </p:cSld>
   <p:clrMapOvr>
